--- a/writeup/figures/stim_figure.pptx
+++ b/writeup/figures/stim_figure.pptx
@@ -10,6 +10,7 @@
     <p:sldId id="262" r:id="rId4"/>
     <p:sldId id="260" r:id="rId5"/>
     <p:sldId id="259" r:id="rId6"/>
+    <p:sldId id="263" r:id="rId7"/>
   </p:sldIdLst>
   <p:sldSz cx="9144000" cy="6858000" type="screen4x3"/>
   <p:notesSz cx="6858000" cy="9144000"/>
@@ -292,7 +293,7 @@
           <a:p>
             <a:fld id="{4694143A-940B-0440-9B68-8C08B5AF502E}" type="datetimeFigureOut">
               <a:rPr lang="en-US" smtClean="0"/>
-              <a:t>9/5/15</a:t>
+              <a:t>9/7/15</a:t>
             </a:fld>
             <a:endParaRPr lang="en-US"/>
           </a:p>
@@ -462,7 +463,7 @@
           <a:p>
             <a:fld id="{4694143A-940B-0440-9B68-8C08B5AF502E}" type="datetimeFigureOut">
               <a:rPr lang="en-US" smtClean="0"/>
-              <a:t>9/5/15</a:t>
+              <a:t>9/7/15</a:t>
             </a:fld>
             <a:endParaRPr lang="en-US"/>
           </a:p>
@@ -642,7 +643,7 @@
           <a:p>
             <a:fld id="{4694143A-940B-0440-9B68-8C08B5AF502E}" type="datetimeFigureOut">
               <a:rPr lang="en-US" smtClean="0"/>
-              <a:t>9/5/15</a:t>
+              <a:t>9/7/15</a:t>
             </a:fld>
             <a:endParaRPr lang="en-US"/>
           </a:p>
@@ -812,7 +813,7 @@
           <a:p>
             <a:fld id="{4694143A-940B-0440-9B68-8C08B5AF502E}" type="datetimeFigureOut">
               <a:rPr lang="en-US" smtClean="0"/>
-              <a:t>9/5/15</a:t>
+              <a:t>9/7/15</a:t>
             </a:fld>
             <a:endParaRPr lang="en-US"/>
           </a:p>
@@ -1058,7 +1059,7 @@
           <a:p>
             <a:fld id="{4694143A-940B-0440-9B68-8C08B5AF502E}" type="datetimeFigureOut">
               <a:rPr lang="en-US" smtClean="0"/>
-              <a:t>9/5/15</a:t>
+              <a:t>9/7/15</a:t>
             </a:fld>
             <a:endParaRPr lang="en-US"/>
           </a:p>
@@ -1346,7 +1347,7 @@
           <a:p>
             <a:fld id="{4694143A-940B-0440-9B68-8C08B5AF502E}" type="datetimeFigureOut">
               <a:rPr lang="en-US" smtClean="0"/>
-              <a:t>9/5/15</a:t>
+              <a:t>9/7/15</a:t>
             </a:fld>
             <a:endParaRPr lang="en-US"/>
           </a:p>
@@ -1768,7 +1769,7 @@
           <a:p>
             <a:fld id="{4694143A-940B-0440-9B68-8C08B5AF502E}" type="datetimeFigureOut">
               <a:rPr lang="en-US" smtClean="0"/>
-              <a:t>9/5/15</a:t>
+              <a:t>9/7/15</a:t>
             </a:fld>
             <a:endParaRPr lang="en-US"/>
           </a:p>
@@ -1886,7 +1887,7 @@
           <a:p>
             <a:fld id="{4694143A-940B-0440-9B68-8C08B5AF502E}" type="datetimeFigureOut">
               <a:rPr lang="en-US" smtClean="0"/>
-              <a:t>9/5/15</a:t>
+              <a:t>9/7/15</a:t>
             </a:fld>
             <a:endParaRPr lang="en-US"/>
           </a:p>
@@ -1981,7 +1982,7 @@
           <a:p>
             <a:fld id="{4694143A-940B-0440-9B68-8C08B5AF502E}" type="datetimeFigureOut">
               <a:rPr lang="en-US" smtClean="0"/>
-              <a:t>9/5/15</a:t>
+              <a:t>9/7/15</a:t>
             </a:fld>
             <a:endParaRPr lang="en-US"/>
           </a:p>
@@ -2258,7 +2259,7 @@
           <a:p>
             <a:fld id="{4694143A-940B-0440-9B68-8C08B5AF502E}" type="datetimeFigureOut">
               <a:rPr lang="en-US" smtClean="0"/>
-              <a:t>9/5/15</a:t>
+              <a:t>9/7/15</a:t>
             </a:fld>
             <a:endParaRPr lang="en-US"/>
           </a:p>
@@ -2511,7 +2512,7 @@
           <a:p>
             <a:fld id="{4694143A-940B-0440-9B68-8C08B5AF502E}" type="datetimeFigureOut">
               <a:rPr lang="en-US" smtClean="0"/>
-              <a:t>9/5/15</a:t>
+              <a:t>9/7/15</a:t>
             </a:fld>
             <a:endParaRPr lang="en-US"/>
           </a:p>
@@ -2724,7 +2725,7 @@
           <a:p>
             <a:fld id="{4694143A-940B-0440-9B68-8C08B5AF502E}" type="datetimeFigureOut">
               <a:rPr lang="en-US" smtClean="0"/>
-              <a:t>9/5/15</a:t>
+              <a:t>9/7/15</a:t>
             </a:fld>
             <a:endParaRPr lang="en-US"/>
           </a:p>
@@ -8161,6 +8162,404 @@
   <p:clrMapOvr>
     <a:masterClrMapping/>
   </p:clrMapOvr>
+  <p:timing>
+    <p:tnLst>
+      <p:par>
+        <p:cTn xmlns:p14="http://schemas.microsoft.com/office/powerpoint/2010/main" id="1" dur="indefinite" restart="never" nodeType="tmRoot"/>
+      </p:par>
+    </p:tnLst>
+  </p:timing>
+</p:sld>
+</file>
+
+<file path=ppt/slides/slide6.xml><?xml version="1.0" encoding="utf-8"?>
+<p:sld xmlns:a="http://schemas.openxmlformats.org/drawingml/2006/main" xmlns:r="http://schemas.openxmlformats.org/officeDocument/2006/relationships" xmlns:p="http://schemas.openxmlformats.org/presentationml/2006/main">
+  <p:cSld>
+    <p:spTree>
+      <p:nvGrpSpPr>
+        <p:cNvPr id="1" name=""/>
+        <p:cNvGrpSpPr/>
+        <p:nvPr/>
+      </p:nvGrpSpPr>
+      <p:grpSpPr>
+        <a:xfrm>
+          <a:off x="0" y="0"/>
+          <a:ext cx="0" cy="0"/>
+          <a:chOff x="0" y="0"/>
+          <a:chExt cx="0" cy="0"/>
+        </a:xfrm>
+      </p:grpSpPr>
+      <p:pic>
+        <p:nvPicPr>
+          <p:cNvPr id="6" name="Picture 5" descr="Screen Shot 2015-09-07 at 12.29.10 PM.png"/>
+          <p:cNvPicPr>
+            <a:picLocks noChangeAspect="1"/>
+          </p:cNvPicPr>
+          <p:nvPr/>
+        </p:nvPicPr>
+        <p:blipFill rotWithShape="1">
+          <a:blip r:embed="rId2">
+            <a:extLst>
+              <a:ext uri="{28A0092B-C50C-407E-A947-70E740481C1C}">
+                <a14:useLocalDpi xmlns:a14="http://schemas.microsoft.com/office/drawing/2010/main" val="0"/>
+              </a:ext>
+            </a:extLst>
+          </a:blip>
+          <a:srcRect l="28720" t="82744" r="35264"/>
+          <a:stretch/>
+        </p:blipFill>
+        <p:spPr>
+          <a:xfrm>
+            <a:off x="1187864" y="2477742"/>
+            <a:ext cx="1480179" cy="623855"/>
+          </a:xfrm>
+          <a:prstGeom prst="rect">
+            <a:avLst/>
+          </a:prstGeom>
+        </p:spPr>
+      </p:pic>
+      <p:pic>
+        <p:nvPicPr>
+          <p:cNvPr id="4" name="Picture 3" descr="Screen Shot 2015-09-07 at 12.29.10 PM.png"/>
+          <p:cNvPicPr>
+            <a:picLocks noChangeAspect="1"/>
+          </p:cNvPicPr>
+          <p:nvPr/>
+        </p:nvPicPr>
+        <p:blipFill rotWithShape="1">
+          <a:blip r:embed="rId2">
+            <a:extLst>
+              <a:ext uri="{28A0092B-C50C-407E-A947-70E740481C1C}">
+                <a14:useLocalDpi xmlns:a14="http://schemas.microsoft.com/office/drawing/2010/main" val="0"/>
+              </a:ext>
+            </a:extLst>
+          </a:blip>
+          <a:srcRect l="57854" t="10890" b="20724"/>
+          <a:stretch/>
+        </p:blipFill>
+        <p:spPr>
+          <a:xfrm>
+            <a:off x="1919422" y="372755"/>
+            <a:ext cx="1518535" cy="2167501"/>
+          </a:xfrm>
+          <a:prstGeom prst="rect">
+            <a:avLst/>
+          </a:prstGeom>
+        </p:spPr>
+      </p:pic>
+      <p:pic>
+        <p:nvPicPr>
+          <p:cNvPr id="5" name="Picture 4" descr="Screen Shot 2015-09-07 at 12.29.10 PM.png"/>
+          <p:cNvPicPr>
+            <a:picLocks noChangeAspect="1"/>
+          </p:cNvPicPr>
+          <p:nvPr/>
+        </p:nvPicPr>
+        <p:blipFill rotWithShape="1">
+          <a:blip r:embed="rId2">
+            <a:extLst>
+              <a:ext uri="{28A0092B-C50C-407E-A947-70E740481C1C}">
+                <a14:useLocalDpi xmlns:a14="http://schemas.microsoft.com/office/drawing/2010/main" val="0"/>
+              </a:ext>
+            </a:extLst>
+          </a:blip>
+          <a:srcRect l="3815" t="10889" r="52507" b="19870"/>
+          <a:stretch/>
+        </p:blipFill>
+        <p:spPr>
+          <a:xfrm>
+            <a:off x="469365" y="345679"/>
+            <a:ext cx="1573755" cy="2194577"/>
+          </a:xfrm>
+          <a:prstGeom prst="rect">
+            <a:avLst/>
+          </a:prstGeom>
+        </p:spPr>
+      </p:pic>
+      <p:pic>
+        <p:nvPicPr>
+          <p:cNvPr id="7" name="Picture 6" descr="Screen Shot 2015-09-07 at 1.31.47 PM.png"/>
+          <p:cNvPicPr>
+            <a:picLocks noChangeAspect="1"/>
+          </p:cNvPicPr>
+          <p:nvPr/>
+        </p:nvPicPr>
+        <p:blipFill rotWithShape="1">
+          <a:blip r:embed="rId3">
+            <a:extLst>
+              <a:ext uri="{28A0092B-C50C-407E-A947-70E740481C1C}">
+                <a14:useLocalDpi xmlns:a14="http://schemas.microsoft.com/office/drawing/2010/main" val="0"/>
+              </a:ext>
+            </a:extLst>
+          </a:blip>
+          <a:srcRect b="80472"/>
+          <a:stretch/>
+        </p:blipFill>
+        <p:spPr>
+          <a:xfrm>
+            <a:off x="4431760" y="1377379"/>
+            <a:ext cx="3147511" cy="397829"/>
+          </a:xfrm>
+          <a:prstGeom prst="rect">
+            <a:avLst/>
+          </a:prstGeom>
+        </p:spPr>
+      </p:pic>
+      <p:pic>
+        <p:nvPicPr>
+          <p:cNvPr id="8" name="Picture 7" descr="Screen Shot 2015-09-07 at 1.31.47 PM.png"/>
+          <p:cNvPicPr>
+            <a:picLocks noChangeAspect="1"/>
+          </p:cNvPicPr>
+          <p:nvPr/>
+        </p:nvPicPr>
+        <p:blipFill rotWithShape="1">
+          <a:blip r:embed="rId3">
+            <a:extLst>
+              <a:ext uri="{28A0092B-C50C-407E-A947-70E740481C1C}">
+                <a14:useLocalDpi xmlns:a14="http://schemas.microsoft.com/office/drawing/2010/main" val="0"/>
+              </a:ext>
+            </a:extLst>
+          </a:blip>
+          <a:srcRect l="37701" t="59894" r="39053" b="21826"/>
+          <a:stretch/>
+        </p:blipFill>
+        <p:spPr>
+          <a:xfrm>
+            <a:off x="5417621" y="2176521"/>
+            <a:ext cx="1055029" cy="536985"/>
+          </a:xfrm>
+          <a:prstGeom prst="rect">
+            <a:avLst/>
+          </a:prstGeom>
+        </p:spPr>
+      </p:pic>
+      <p:grpSp>
+        <p:nvGrpSpPr>
+          <p:cNvPr id="12" name="Group 11"/>
+          <p:cNvGrpSpPr/>
+          <p:nvPr/>
+        </p:nvGrpSpPr>
+        <p:grpSpPr>
+          <a:xfrm>
+            <a:off x="5246396" y="372755"/>
+            <a:ext cx="1421355" cy="1050758"/>
+            <a:chOff x="621765" y="498079"/>
+            <a:chExt cx="2968592" cy="2194577"/>
+          </a:xfrm>
+        </p:grpSpPr>
+        <p:pic>
+          <p:nvPicPr>
+            <p:cNvPr id="10" name="Picture 9" descr="Screen Shot 2015-09-07 at 12.29.10 PM.png"/>
+            <p:cNvPicPr>
+              <a:picLocks noChangeAspect="1"/>
+            </p:cNvPicPr>
+            <p:nvPr/>
+          </p:nvPicPr>
+          <p:blipFill rotWithShape="1">
+            <a:blip r:embed="rId2">
+              <a:extLst>
+                <a:ext uri="{28A0092B-C50C-407E-A947-70E740481C1C}">
+                  <a14:useLocalDpi xmlns:a14="http://schemas.microsoft.com/office/drawing/2010/main" val="0"/>
+                </a:ext>
+              </a:extLst>
+            </a:blip>
+            <a:srcRect l="57854" t="10890" b="20724"/>
+            <a:stretch/>
+          </p:blipFill>
+          <p:spPr>
+            <a:xfrm>
+              <a:off x="2071822" y="525155"/>
+              <a:ext cx="1518535" cy="2167501"/>
+            </a:xfrm>
+            <a:prstGeom prst="rect">
+              <a:avLst/>
+            </a:prstGeom>
+          </p:spPr>
+        </p:pic>
+        <p:pic>
+          <p:nvPicPr>
+            <p:cNvPr id="11" name="Picture 10" descr="Screen Shot 2015-09-07 at 12.29.10 PM.png"/>
+            <p:cNvPicPr>
+              <a:picLocks noChangeAspect="1"/>
+            </p:cNvPicPr>
+            <p:nvPr/>
+          </p:nvPicPr>
+          <p:blipFill rotWithShape="1">
+            <a:blip r:embed="rId2">
+              <a:extLst>
+                <a:ext uri="{28A0092B-C50C-407E-A947-70E740481C1C}">
+                  <a14:useLocalDpi xmlns:a14="http://schemas.microsoft.com/office/drawing/2010/main" val="0"/>
+                </a:ext>
+              </a:extLst>
+            </a:blip>
+            <a:srcRect l="3815" t="10889" r="52507" b="19870"/>
+            <a:stretch/>
+          </p:blipFill>
+          <p:spPr>
+            <a:xfrm>
+              <a:off x="621765" y="498079"/>
+              <a:ext cx="1573755" cy="2194577"/>
+            </a:xfrm>
+            <a:prstGeom prst="rect">
+              <a:avLst/>
+            </a:prstGeom>
+          </p:spPr>
+        </p:pic>
+      </p:grpSp>
+      <p:sp>
+        <p:nvSpPr>
+          <p:cNvPr id="14" name="Rectangle 13"/>
+          <p:cNvSpPr/>
+          <p:nvPr/>
+        </p:nvSpPr>
+        <p:spPr>
+          <a:xfrm>
+            <a:off x="5672084" y="1203245"/>
+            <a:ext cx="261712" cy="220268"/>
+          </a:xfrm>
+          <a:prstGeom prst="rect">
+            <a:avLst/>
+          </a:prstGeom>
+          <a:solidFill>
+            <a:srgbClr val="FFFFFF"/>
+          </a:solidFill>
+          <a:ln>
+            <a:solidFill>
+              <a:schemeClr val="bg1"/>
+            </a:solidFill>
+          </a:ln>
+          <a:effectLst/>
+        </p:spPr>
+        <p:style>
+          <a:lnRef idx="1">
+            <a:schemeClr val="accent1"/>
+          </a:lnRef>
+          <a:fillRef idx="3">
+            <a:schemeClr val="accent1"/>
+          </a:fillRef>
+          <a:effectRef idx="2">
+            <a:schemeClr val="accent1"/>
+          </a:effectRef>
+          <a:fontRef idx="minor">
+            <a:schemeClr val="lt1"/>
+          </a:fontRef>
+        </p:style>
+        <p:txBody>
+          <a:bodyPr rtlCol="0" anchor="ctr"/>
+          <a:lstStyle/>
+          <a:p>
+            <a:pPr algn="ctr"/>
+            <a:endParaRPr lang="en-US"/>
+          </a:p>
+        </p:txBody>
+      </p:sp>
+      <p:pic>
+        <p:nvPicPr>
+          <p:cNvPr id="13" name="Picture 12" descr="Screen Shot 2015-09-07 at 1.35.10 PM.png"/>
+          <p:cNvPicPr>
+            <a:picLocks noChangeAspect="1"/>
+          </p:cNvPicPr>
+          <p:nvPr/>
+        </p:nvPicPr>
+        <p:blipFill>
+          <a:blip r:embed="rId4">
+            <a:extLst>
+              <a:ext uri="{28A0092B-C50C-407E-A947-70E740481C1C}">
+                <a14:useLocalDpi xmlns:a14="http://schemas.microsoft.com/office/drawing/2010/main" val="0"/>
+              </a:ext>
+            </a:extLst>
+          </a:blip>
+          <a:stretch>
+            <a:fillRect/>
+          </a:stretch>
+        </p:blipFill>
+        <p:spPr>
+          <a:xfrm>
+            <a:off x="5685852" y="1192919"/>
+            <a:ext cx="137673" cy="142836"/>
+          </a:xfrm>
+          <a:prstGeom prst="rect">
+            <a:avLst/>
+          </a:prstGeom>
+        </p:spPr>
+      </p:pic>
+      <p:pic>
+        <p:nvPicPr>
+          <p:cNvPr id="15" name="Picture 14" descr="Screen Shot 2015-09-07 at 1.54.57 PM.png"/>
+          <p:cNvPicPr>
+            <a:picLocks noChangeAspect="1"/>
+          </p:cNvPicPr>
+          <p:nvPr/>
+        </p:nvPicPr>
+        <p:blipFill>
+          <a:blip r:embed="rId5">
+            <a:extLst>
+              <a:ext uri="{28A0092B-C50C-407E-A947-70E740481C1C}">
+                <a14:useLocalDpi xmlns:a14="http://schemas.microsoft.com/office/drawing/2010/main" val="0"/>
+              </a:ext>
+            </a:extLst>
+          </a:blip>
+          <a:stretch>
+            <a:fillRect/>
+          </a:stretch>
+        </p:blipFill>
+        <p:spPr>
+          <a:xfrm>
+            <a:off x="5593832" y="1724254"/>
+            <a:ext cx="660400" cy="571500"/>
+          </a:xfrm>
+          <a:prstGeom prst="rect">
+            <a:avLst/>
+          </a:prstGeom>
+        </p:spPr>
+      </p:pic>
+      <p:pic>
+        <p:nvPicPr>
+          <p:cNvPr id="16" name="Picture 15" descr="Screen Shot 2015-09-07 at 1.31.47 PM.png"/>
+          <p:cNvPicPr>
+            <a:picLocks noChangeAspect="1"/>
+          </p:cNvPicPr>
+          <p:nvPr/>
+        </p:nvPicPr>
+        <p:blipFill rotWithShape="1">
+          <a:blip r:embed="rId3">
+            <a:extLst>
+              <a:ext uri="{28A0092B-C50C-407E-A947-70E740481C1C}">
+                <a14:useLocalDpi xmlns:a14="http://schemas.microsoft.com/office/drawing/2010/main" val="0"/>
+              </a:ext>
+            </a:extLst>
+          </a:blip>
+          <a:srcRect l="37701" t="81721" r="39053"/>
+          <a:stretch/>
+        </p:blipFill>
+        <p:spPr>
+          <a:xfrm>
+            <a:off x="5539972" y="2607119"/>
+            <a:ext cx="938265" cy="477555"/>
+          </a:xfrm>
+          <a:prstGeom prst="rect">
+            <a:avLst/>
+          </a:prstGeom>
+        </p:spPr>
+      </p:pic>
+    </p:spTree>
+    <p:extLst>
+      <p:ext uri="{BB962C8B-B14F-4D97-AF65-F5344CB8AC3E}">
+        <p14:creationId xmlns:p14="http://schemas.microsoft.com/office/powerpoint/2010/main" val="3986163656"/>
+      </p:ext>
+    </p:extLst>
+  </p:cSld>
+  <p:clrMapOvr>
+    <a:masterClrMapping/>
+  </p:clrMapOvr>
+  <p:timing>
+    <p:tnLst>
+      <p:par>
+        <p:cTn xmlns:p14="http://schemas.microsoft.com/office/powerpoint/2010/main" id="1" dur="indefinite" restart="never" nodeType="tmRoot"/>
+      </p:par>
+    </p:tnLst>
+  </p:timing>
 </p:sld>
 </file>
 

--- a/writeup/figures/stim_figure.pptx
+++ b/writeup/figures/stim_figure.pptx
@@ -8189,168 +8189,52 @@
           <a:chExt cx="0" cy="0"/>
         </a:xfrm>
       </p:grpSpPr>
-      <p:pic>
-        <p:nvPicPr>
-          <p:cNvPr id="6" name="Picture 5" descr="Screen Shot 2015-09-07 at 12.29.10 PM.png"/>
-          <p:cNvPicPr>
-            <a:picLocks noChangeAspect="1"/>
-          </p:cNvPicPr>
-          <p:nvPr/>
-        </p:nvPicPr>
-        <p:blipFill rotWithShape="1">
-          <a:blip r:embed="rId2">
-            <a:extLst>
-              <a:ext uri="{28A0092B-C50C-407E-A947-70E740481C1C}">
-                <a14:useLocalDpi xmlns:a14="http://schemas.microsoft.com/office/drawing/2010/main" val="0"/>
-              </a:ext>
-            </a:extLst>
-          </a:blip>
-          <a:srcRect l="28720" t="82744" r="35264"/>
-          <a:stretch/>
-        </p:blipFill>
-        <p:spPr>
-          <a:xfrm>
-            <a:off x="1187864" y="2477742"/>
-            <a:ext cx="1480179" cy="623855"/>
-          </a:xfrm>
-          <a:prstGeom prst="rect">
-            <a:avLst/>
-          </a:prstGeom>
-        </p:spPr>
-      </p:pic>
-      <p:pic>
-        <p:nvPicPr>
-          <p:cNvPr id="4" name="Picture 3" descr="Screen Shot 2015-09-07 at 12.29.10 PM.png"/>
-          <p:cNvPicPr>
-            <a:picLocks noChangeAspect="1"/>
-          </p:cNvPicPr>
-          <p:nvPr/>
-        </p:nvPicPr>
-        <p:blipFill rotWithShape="1">
-          <a:blip r:embed="rId2">
-            <a:extLst>
-              <a:ext uri="{28A0092B-C50C-407E-A947-70E740481C1C}">
-                <a14:useLocalDpi xmlns:a14="http://schemas.microsoft.com/office/drawing/2010/main" val="0"/>
-              </a:ext>
-            </a:extLst>
-          </a:blip>
-          <a:srcRect l="57854" t="10890" b="20724"/>
-          <a:stretch/>
-        </p:blipFill>
-        <p:spPr>
-          <a:xfrm>
-            <a:off x="1919422" y="372755"/>
-            <a:ext cx="1518535" cy="2167501"/>
-          </a:xfrm>
-          <a:prstGeom prst="rect">
-            <a:avLst/>
-          </a:prstGeom>
-        </p:spPr>
-      </p:pic>
-      <p:pic>
-        <p:nvPicPr>
-          <p:cNvPr id="5" name="Picture 4" descr="Screen Shot 2015-09-07 at 12.29.10 PM.png"/>
-          <p:cNvPicPr>
-            <a:picLocks noChangeAspect="1"/>
-          </p:cNvPicPr>
-          <p:nvPr/>
-        </p:nvPicPr>
-        <p:blipFill rotWithShape="1">
-          <a:blip r:embed="rId2">
-            <a:extLst>
-              <a:ext uri="{28A0092B-C50C-407E-A947-70E740481C1C}">
-                <a14:useLocalDpi xmlns:a14="http://schemas.microsoft.com/office/drawing/2010/main" val="0"/>
-              </a:ext>
-            </a:extLst>
-          </a:blip>
-          <a:srcRect l="3815" t="10889" r="52507" b="19870"/>
-          <a:stretch/>
-        </p:blipFill>
-        <p:spPr>
-          <a:xfrm>
-            <a:off x="469365" y="345679"/>
-            <a:ext cx="1573755" cy="2194577"/>
-          </a:xfrm>
-          <a:prstGeom prst="rect">
-            <a:avLst/>
-          </a:prstGeom>
-        </p:spPr>
-      </p:pic>
-      <p:pic>
-        <p:nvPicPr>
-          <p:cNvPr id="7" name="Picture 6" descr="Screen Shot 2015-09-07 at 1.31.47 PM.png"/>
-          <p:cNvPicPr>
-            <a:picLocks noChangeAspect="1"/>
-          </p:cNvPicPr>
-          <p:nvPr/>
-        </p:nvPicPr>
-        <p:blipFill rotWithShape="1">
-          <a:blip r:embed="rId3">
-            <a:extLst>
-              <a:ext uri="{28A0092B-C50C-407E-A947-70E740481C1C}">
-                <a14:useLocalDpi xmlns:a14="http://schemas.microsoft.com/office/drawing/2010/main" val="0"/>
-              </a:ext>
-            </a:extLst>
-          </a:blip>
-          <a:srcRect b="80472"/>
-          <a:stretch/>
-        </p:blipFill>
-        <p:spPr>
-          <a:xfrm>
-            <a:off x="4431760" y="1377379"/>
-            <a:ext cx="3147511" cy="397829"/>
-          </a:xfrm>
-          <a:prstGeom prst="rect">
-            <a:avLst/>
-          </a:prstGeom>
-        </p:spPr>
-      </p:pic>
-      <p:pic>
-        <p:nvPicPr>
-          <p:cNvPr id="8" name="Picture 7" descr="Screen Shot 2015-09-07 at 1.31.47 PM.png"/>
-          <p:cNvPicPr>
-            <a:picLocks noChangeAspect="1"/>
-          </p:cNvPicPr>
-          <p:nvPr/>
-        </p:nvPicPr>
-        <p:blipFill rotWithShape="1">
-          <a:blip r:embed="rId3">
-            <a:extLst>
-              <a:ext uri="{28A0092B-C50C-407E-A947-70E740481C1C}">
-                <a14:useLocalDpi xmlns:a14="http://schemas.microsoft.com/office/drawing/2010/main" val="0"/>
-              </a:ext>
-            </a:extLst>
-          </a:blip>
-          <a:srcRect l="37701" t="59894" r="39053" b="21826"/>
-          <a:stretch/>
-        </p:blipFill>
-        <p:spPr>
-          <a:xfrm>
-            <a:off x="5417621" y="2176521"/>
-            <a:ext cx="1055029" cy="536985"/>
-          </a:xfrm>
-          <a:prstGeom prst="rect">
-            <a:avLst/>
-          </a:prstGeom>
-        </p:spPr>
-      </p:pic>
       <p:grpSp>
         <p:nvGrpSpPr>
-          <p:cNvPr id="12" name="Group 11"/>
+          <p:cNvPr id="34" name="Group 33"/>
           <p:cNvGrpSpPr/>
           <p:nvPr/>
         </p:nvGrpSpPr>
         <p:grpSpPr>
           <a:xfrm>
-            <a:off x="5246396" y="372755"/>
-            <a:ext cx="1421355" cy="1050758"/>
-            <a:chOff x="621765" y="498079"/>
-            <a:chExt cx="2968592" cy="2194577"/>
+            <a:off x="438582" y="219509"/>
+            <a:ext cx="6867026" cy="3155834"/>
+            <a:chOff x="438582" y="219509"/>
+            <a:chExt cx="6867026" cy="3155834"/>
           </a:xfrm>
         </p:grpSpPr>
         <p:pic>
           <p:nvPicPr>
-            <p:cNvPr id="10" name="Picture 9" descr="Screen Shot 2015-09-07 at 12.29.10 PM.png"/>
+            <p:cNvPr id="6" name="Picture 5" descr="Screen Shot 2015-09-07 at 12.29.10 PM.png"/>
+            <p:cNvPicPr>
+              <a:picLocks noChangeAspect="1"/>
+            </p:cNvPicPr>
+            <p:nvPr/>
+          </p:nvPicPr>
+          <p:blipFill rotWithShape="1">
+            <a:blip r:embed="rId2">
+              <a:extLst>
+                <a:ext uri="{28A0092B-C50C-407E-A947-70E740481C1C}">
+                  <a14:useLocalDpi xmlns:a14="http://schemas.microsoft.com/office/drawing/2010/main" val="0"/>
+                </a:ext>
+              </a:extLst>
+            </a:blip>
+            <a:srcRect l="28720" t="82744" r="35264"/>
+            <a:stretch/>
+          </p:blipFill>
+          <p:spPr>
+            <a:xfrm>
+              <a:off x="1379741" y="2751488"/>
+              <a:ext cx="1480179" cy="623855"/>
+            </a:xfrm>
+            <a:prstGeom prst="rect">
+              <a:avLst/>
+            </a:prstGeom>
+          </p:spPr>
+        </p:pic>
+        <p:pic>
+          <p:nvPicPr>
+            <p:cNvPr id="4" name="Picture 3" descr="Screen Shot 2015-09-07 at 12.29.10 PM.png"/>
             <p:cNvPicPr>
               <a:picLocks noChangeAspect="1"/>
             </p:cNvPicPr>
@@ -8369,7 +8253,7 @@
           </p:blipFill>
           <p:spPr>
             <a:xfrm>
-              <a:off x="2071822" y="525155"/>
+              <a:off x="2111299" y="655637"/>
               <a:ext cx="1518535" cy="2167501"/>
             </a:xfrm>
             <a:prstGeom prst="rect">
@@ -8379,7 +8263,7 @@
         </p:pic>
         <p:pic>
           <p:nvPicPr>
-            <p:cNvPr id="11" name="Picture 10" descr="Screen Shot 2015-09-07 at 12.29.10 PM.png"/>
+            <p:cNvPr id="5" name="Picture 4" descr="Screen Shot 2015-09-07 at 12.29.10 PM.png"/>
             <p:cNvPicPr>
               <a:picLocks noChangeAspect="1"/>
             </p:cNvPicPr>
@@ -8398,7 +8282,7 @@
           </p:blipFill>
           <p:spPr>
             <a:xfrm>
-              <a:off x="621765" y="498079"/>
+              <a:off x="661242" y="628561"/>
               <a:ext cx="1573755" cy="2194577"/>
             </a:xfrm>
             <a:prstGeom prst="rect">
@@ -8406,143 +8290,434 @@
             </a:prstGeom>
           </p:spPr>
         </p:pic>
+        <p:pic>
+          <p:nvPicPr>
+            <p:cNvPr id="7" name="Picture 6" descr="Screen Shot 2015-09-07 at 1.31.47 PM.png"/>
+            <p:cNvPicPr>
+              <a:picLocks noChangeAspect="1"/>
+            </p:cNvPicPr>
+            <p:nvPr/>
+          </p:nvPicPr>
+          <p:blipFill rotWithShape="1">
+            <a:blip r:embed="rId3">
+              <a:extLst>
+                <a:ext uri="{28A0092B-C50C-407E-A947-70E740481C1C}">
+                  <a14:useLocalDpi xmlns:a14="http://schemas.microsoft.com/office/drawing/2010/main" val="0"/>
+                </a:ext>
+              </a:extLst>
+            </a:blip>
+            <a:srcRect b="80472"/>
+            <a:stretch/>
+          </p:blipFill>
+          <p:spPr>
+            <a:xfrm>
+              <a:off x="4114356" y="1651819"/>
+              <a:ext cx="3147511" cy="397829"/>
+            </a:xfrm>
+            <a:prstGeom prst="rect">
+              <a:avLst/>
+            </a:prstGeom>
+          </p:spPr>
+        </p:pic>
+        <p:pic>
+          <p:nvPicPr>
+            <p:cNvPr id="8" name="Picture 7" descr="Screen Shot 2015-09-07 at 1.31.47 PM.png"/>
+            <p:cNvPicPr>
+              <a:picLocks noChangeAspect="1"/>
+            </p:cNvPicPr>
+            <p:nvPr/>
+          </p:nvPicPr>
+          <p:blipFill rotWithShape="1">
+            <a:blip r:embed="rId3">
+              <a:extLst>
+                <a:ext uri="{28A0092B-C50C-407E-A947-70E740481C1C}">
+                  <a14:useLocalDpi xmlns:a14="http://schemas.microsoft.com/office/drawing/2010/main" val="0"/>
+                </a:ext>
+              </a:extLst>
+            </a:blip>
+            <a:srcRect l="37701" t="59894" r="39053" b="21826"/>
+            <a:stretch/>
+          </p:blipFill>
+          <p:spPr>
+            <a:xfrm>
+              <a:off x="5109354" y="2432689"/>
+              <a:ext cx="1055029" cy="536985"/>
+            </a:xfrm>
+            <a:prstGeom prst="rect">
+              <a:avLst/>
+            </a:prstGeom>
+          </p:spPr>
+        </p:pic>
+        <p:grpSp>
+          <p:nvGrpSpPr>
+            <p:cNvPr id="12" name="Group 11"/>
+            <p:cNvGrpSpPr/>
+            <p:nvPr/>
+          </p:nvGrpSpPr>
+          <p:grpSpPr>
+            <a:xfrm>
+              <a:off x="4938129" y="647195"/>
+              <a:ext cx="1421355" cy="1050758"/>
+              <a:chOff x="621765" y="498079"/>
+              <a:chExt cx="2968592" cy="2194577"/>
+            </a:xfrm>
+          </p:grpSpPr>
+          <p:pic>
+            <p:nvPicPr>
+              <p:cNvPr id="10" name="Picture 9" descr="Screen Shot 2015-09-07 at 12.29.10 PM.png"/>
+              <p:cNvPicPr>
+                <a:picLocks noChangeAspect="1"/>
+              </p:cNvPicPr>
+              <p:nvPr/>
+            </p:nvPicPr>
+            <p:blipFill rotWithShape="1">
+              <a:blip r:embed="rId2">
+                <a:extLst>
+                  <a:ext uri="{28A0092B-C50C-407E-A947-70E740481C1C}">
+                    <a14:useLocalDpi xmlns:a14="http://schemas.microsoft.com/office/drawing/2010/main" val="0"/>
+                  </a:ext>
+                </a:extLst>
+              </a:blip>
+              <a:srcRect l="57854" t="10890" b="20724"/>
+              <a:stretch/>
+            </p:blipFill>
+            <p:spPr>
+              <a:xfrm>
+                <a:off x="2071822" y="525155"/>
+                <a:ext cx="1518535" cy="2167501"/>
+              </a:xfrm>
+              <a:prstGeom prst="rect">
+                <a:avLst/>
+              </a:prstGeom>
+            </p:spPr>
+          </p:pic>
+          <p:pic>
+            <p:nvPicPr>
+              <p:cNvPr id="11" name="Picture 10" descr="Screen Shot 2015-09-07 at 12.29.10 PM.png"/>
+              <p:cNvPicPr>
+                <a:picLocks noChangeAspect="1"/>
+              </p:cNvPicPr>
+              <p:nvPr/>
+            </p:nvPicPr>
+            <p:blipFill rotWithShape="1">
+              <a:blip r:embed="rId2">
+                <a:extLst>
+                  <a:ext uri="{28A0092B-C50C-407E-A947-70E740481C1C}">
+                    <a14:useLocalDpi xmlns:a14="http://schemas.microsoft.com/office/drawing/2010/main" val="0"/>
+                  </a:ext>
+                </a:extLst>
+              </a:blip>
+              <a:srcRect l="3815" t="10889" r="52507" b="19870"/>
+              <a:stretch/>
+            </p:blipFill>
+            <p:spPr>
+              <a:xfrm>
+                <a:off x="621765" y="498079"/>
+                <a:ext cx="1573755" cy="2194577"/>
+              </a:xfrm>
+              <a:prstGeom prst="rect">
+                <a:avLst/>
+              </a:prstGeom>
+            </p:spPr>
+          </p:pic>
+        </p:grpSp>
+        <p:sp>
+          <p:nvSpPr>
+            <p:cNvPr id="14" name="Rectangle 13"/>
+            <p:cNvSpPr/>
+            <p:nvPr/>
+          </p:nvSpPr>
+          <p:spPr>
+            <a:xfrm>
+              <a:off x="5363817" y="1477685"/>
+              <a:ext cx="261712" cy="220268"/>
+            </a:xfrm>
+            <a:prstGeom prst="rect">
+              <a:avLst/>
+            </a:prstGeom>
+            <a:solidFill>
+              <a:srgbClr val="FFFFFF"/>
+            </a:solidFill>
+            <a:ln>
+              <a:solidFill>
+                <a:schemeClr val="bg1"/>
+              </a:solidFill>
+            </a:ln>
+            <a:effectLst/>
+          </p:spPr>
+          <p:style>
+            <a:lnRef idx="1">
+              <a:schemeClr val="accent1"/>
+            </a:lnRef>
+            <a:fillRef idx="3">
+              <a:schemeClr val="accent1"/>
+            </a:fillRef>
+            <a:effectRef idx="2">
+              <a:schemeClr val="accent1"/>
+            </a:effectRef>
+            <a:fontRef idx="minor">
+              <a:schemeClr val="lt1"/>
+            </a:fontRef>
+          </p:style>
+          <p:txBody>
+            <a:bodyPr rtlCol="0" anchor="ctr"/>
+            <a:lstStyle/>
+            <a:p>
+              <a:pPr algn="ctr"/>
+              <a:endParaRPr lang="en-US"/>
+            </a:p>
+          </p:txBody>
+        </p:sp>
+        <p:pic>
+          <p:nvPicPr>
+            <p:cNvPr id="13" name="Picture 12" descr="Screen Shot 2015-09-07 at 1.35.10 PM.png"/>
+            <p:cNvPicPr>
+              <a:picLocks noChangeAspect="1"/>
+            </p:cNvPicPr>
+            <p:nvPr/>
+          </p:nvPicPr>
+          <p:blipFill>
+            <a:blip r:embed="rId4">
+              <a:extLst>
+                <a:ext uri="{28A0092B-C50C-407E-A947-70E740481C1C}">
+                  <a14:useLocalDpi xmlns:a14="http://schemas.microsoft.com/office/drawing/2010/main" val="0"/>
+                </a:ext>
+              </a:extLst>
+            </a:blip>
+            <a:stretch>
+              <a:fillRect/>
+            </a:stretch>
+          </p:blipFill>
+          <p:spPr>
+            <a:xfrm>
+              <a:off x="5377585" y="1467359"/>
+              <a:ext cx="137673" cy="142836"/>
+            </a:xfrm>
+            <a:prstGeom prst="rect">
+              <a:avLst/>
+            </a:prstGeom>
+          </p:spPr>
+        </p:pic>
+        <p:pic>
+          <p:nvPicPr>
+            <p:cNvPr id="15" name="Picture 14" descr="Screen Shot 2015-09-07 at 1.54.57 PM.png"/>
+            <p:cNvPicPr>
+              <a:picLocks noChangeAspect="1"/>
+            </p:cNvPicPr>
+            <p:nvPr/>
+          </p:nvPicPr>
+          <p:blipFill>
+            <a:blip r:embed="rId5">
+              <a:extLst>
+                <a:ext uri="{28A0092B-C50C-407E-A947-70E740481C1C}">
+                  <a14:useLocalDpi xmlns:a14="http://schemas.microsoft.com/office/drawing/2010/main" val="0"/>
+                </a:ext>
+              </a:extLst>
+            </a:blip>
+            <a:stretch>
+              <a:fillRect/>
+            </a:stretch>
+          </p:blipFill>
+          <p:spPr>
+            <a:xfrm>
+              <a:off x="5285565" y="1998694"/>
+              <a:ext cx="660400" cy="571500"/>
+            </a:xfrm>
+            <a:prstGeom prst="rect">
+              <a:avLst/>
+            </a:prstGeom>
+          </p:spPr>
+        </p:pic>
+        <p:pic>
+          <p:nvPicPr>
+            <p:cNvPr id="16" name="Picture 15" descr="Screen Shot 2015-09-07 at 1.31.47 PM.png"/>
+            <p:cNvPicPr>
+              <a:picLocks noChangeAspect="1"/>
+            </p:cNvPicPr>
+            <p:nvPr/>
+          </p:nvPicPr>
+          <p:blipFill rotWithShape="1">
+            <a:blip r:embed="rId3">
+              <a:extLst>
+                <a:ext uri="{28A0092B-C50C-407E-A947-70E740481C1C}">
+                  <a14:useLocalDpi xmlns:a14="http://schemas.microsoft.com/office/drawing/2010/main" val="0"/>
+                </a:ext>
+              </a:extLst>
+            </a:blip>
+            <a:srcRect l="37701" t="81721" r="39053"/>
+            <a:stretch/>
+          </p:blipFill>
+          <p:spPr>
+            <a:xfrm>
+              <a:off x="5231705" y="2881559"/>
+              <a:ext cx="938265" cy="477555"/>
+            </a:xfrm>
+            <a:prstGeom prst="rect">
+              <a:avLst/>
+            </a:prstGeom>
+          </p:spPr>
+        </p:pic>
+        <p:sp>
+          <p:nvSpPr>
+            <p:cNvPr id="22" name="TextBox 21"/>
+            <p:cNvSpPr txBox="1"/>
+            <p:nvPr/>
+          </p:nvSpPr>
+          <p:spPr>
+            <a:xfrm>
+              <a:off x="5193296" y="236549"/>
+              <a:ext cx="919625" cy="369332"/>
+            </a:xfrm>
+            <a:prstGeom prst="rect">
+              <a:avLst/>
+            </a:prstGeom>
+            <a:noFill/>
+          </p:spPr>
+          <p:txBody>
+            <a:bodyPr wrap="none" rtlCol="0">
+              <a:spAutoFit/>
+            </a:bodyPr>
+            <a:lstStyle/>
+            <a:p>
+              <a:r>
+                <a:rPr lang="en-US" dirty="0" smtClean="0">
+                  <a:latin typeface="Avenir Book"/>
+                  <a:cs typeface="Avenir Book"/>
+                </a:rPr>
+                <a:t>Testing</a:t>
+              </a:r>
+              <a:endParaRPr lang="en-US" dirty="0">
+                <a:latin typeface="Avenir Book"/>
+                <a:cs typeface="Avenir Book"/>
+              </a:endParaRPr>
+            </a:p>
+          </p:txBody>
+        </p:sp>
+        <p:sp>
+          <p:nvSpPr>
+            <p:cNvPr id="25" name="TextBox 24"/>
+            <p:cNvSpPr txBox="1"/>
+            <p:nvPr/>
+          </p:nvSpPr>
+          <p:spPr>
+            <a:xfrm>
+              <a:off x="1489820" y="219509"/>
+              <a:ext cx="1000877" cy="369332"/>
+            </a:xfrm>
+            <a:prstGeom prst="rect">
+              <a:avLst/>
+            </a:prstGeom>
+            <a:noFill/>
+          </p:spPr>
+          <p:txBody>
+            <a:bodyPr wrap="none" rtlCol="0">
+              <a:spAutoFit/>
+            </a:bodyPr>
+            <a:lstStyle/>
+            <a:p>
+              <a:r>
+                <a:rPr lang="en-US" dirty="0" smtClean="0">
+                  <a:latin typeface="Avenir Book"/>
+                  <a:cs typeface="Avenir Book"/>
+                </a:rPr>
+                <a:t>Training</a:t>
+              </a:r>
+              <a:endParaRPr lang="en-US" dirty="0">
+                <a:latin typeface="Avenir Book"/>
+                <a:cs typeface="Avenir Book"/>
+              </a:endParaRPr>
+            </a:p>
+          </p:txBody>
+        </p:sp>
+        <p:sp>
+          <p:nvSpPr>
+            <p:cNvPr id="29" name="Rounded Rectangle 28"/>
+            <p:cNvSpPr/>
+            <p:nvPr/>
+          </p:nvSpPr>
+          <p:spPr>
+            <a:xfrm>
+              <a:off x="438582" y="579705"/>
+              <a:ext cx="3246074" cy="2736801"/>
+            </a:xfrm>
+            <a:prstGeom prst="roundRect">
+              <a:avLst/>
+            </a:prstGeom>
+            <a:noFill/>
+            <a:ln>
+              <a:solidFill>
+                <a:schemeClr val="tx1"/>
+              </a:solidFill>
+            </a:ln>
+          </p:spPr>
+          <p:style>
+            <a:lnRef idx="1">
+              <a:schemeClr val="accent1"/>
+            </a:lnRef>
+            <a:fillRef idx="3">
+              <a:schemeClr val="accent1"/>
+            </a:fillRef>
+            <a:effectRef idx="2">
+              <a:schemeClr val="accent1"/>
+            </a:effectRef>
+            <a:fontRef idx="minor">
+              <a:schemeClr val="lt1"/>
+            </a:fontRef>
+          </p:style>
+          <p:txBody>
+            <a:bodyPr rtlCol="0" anchor="ctr"/>
+            <a:lstStyle/>
+            <a:p>
+              <a:pPr algn="ctr"/>
+              <a:endParaRPr lang="en-US"/>
+            </a:p>
+          </p:txBody>
+        </p:sp>
+        <p:sp>
+          <p:nvSpPr>
+            <p:cNvPr id="30" name="Rounded Rectangle 29"/>
+            <p:cNvSpPr/>
+            <p:nvPr/>
+          </p:nvSpPr>
+          <p:spPr>
+            <a:xfrm>
+              <a:off x="4059534" y="585769"/>
+              <a:ext cx="3246074" cy="2736801"/>
+            </a:xfrm>
+            <a:prstGeom prst="roundRect">
+              <a:avLst/>
+            </a:prstGeom>
+            <a:noFill/>
+            <a:ln>
+              <a:solidFill>
+                <a:schemeClr val="tx1"/>
+              </a:solidFill>
+            </a:ln>
+          </p:spPr>
+          <p:style>
+            <a:lnRef idx="1">
+              <a:schemeClr val="accent1"/>
+            </a:lnRef>
+            <a:fillRef idx="3">
+              <a:schemeClr val="accent1"/>
+            </a:fillRef>
+            <a:effectRef idx="2">
+              <a:schemeClr val="accent1"/>
+            </a:effectRef>
+            <a:fontRef idx="minor">
+              <a:schemeClr val="lt1"/>
+            </a:fontRef>
+          </p:style>
+          <p:txBody>
+            <a:bodyPr rtlCol="0" anchor="ctr"/>
+            <a:lstStyle/>
+            <a:p>
+              <a:pPr algn="ctr"/>
+              <a:endParaRPr lang="en-US"/>
+            </a:p>
+          </p:txBody>
+        </p:sp>
       </p:grpSp>
-      <p:sp>
-        <p:nvSpPr>
-          <p:cNvPr id="14" name="Rectangle 13"/>
-          <p:cNvSpPr/>
-          <p:nvPr/>
-        </p:nvSpPr>
-        <p:spPr>
-          <a:xfrm>
-            <a:off x="5672084" y="1203245"/>
-            <a:ext cx="261712" cy="220268"/>
-          </a:xfrm>
-          <a:prstGeom prst="rect">
-            <a:avLst/>
-          </a:prstGeom>
-          <a:solidFill>
-            <a:srgbClr val="FFFFFF"/>
-          </a:solidFill>
-          <a:ln>
-            <a:solidFill>
-              <a:schemeClr val="bg1"/>
-            </a:solidFill>
-          </a:ln>
-          <a:effectLst/>
-        </p:spPr>
-        <p:style>
-          <a:lnRef idx="1">
-            <a:schemeClr val="accent1"/>
-          </a:lnRef>
-          <a:fillRef idx="3">
-            <a:schemeClr val="accent1"/>
-          </a:fillRef>
-          <a:effectRef idx="2">
-            <a:schemeClr val="accent1"/>
-          </a:effectRef>
-          <a:fontRef idx="minor">
-            <a:schemeClr val="lt1"/>
-          </a:fontRef>
-        </p:style>
-        <p:txBody>
-          <a:bodyPr rtlCol="0" anchor="ctr"/>
-          <a:lstStyle/>
-          <a:p>
-            <a:pPr algn="ctr"/>
-            <a:endParaRPr lang="en-US"/>
-          </a:p>
-        </p:txBody>
-      </p:sp>
-      <p:pic>
-        <p:nvPicPr>
-          <p:cNvPr id="13" name="Picture 12" descr="Screen Shot 2015-09-07 at 1.35.10 PM.png"/>
-          <p:cNvPicPr>
-            <a:picLocks noChangeAspect="1"/>
-          </p:cNvPicPr>
-          <p:nvPr/>
-        </p:nvPicPr>
-        <p:blipFill>
-          <a:blip r:embed="rId4">
-            <a:extLst>
-              <a:ext uri="{28A0092B-C50C-407E-A947-70E740481C1C}">
-                <a14:useLocalDpi xmlns:a14="http://schemas.microsoft.com/office/drawing/2010/main" val="0"/>
-              </a:ext>
-            </a:extLst>
-          </a:blip>
-          <a:stretch>
-            <a:fillRect/>
-          </a:stretch>
-        </p:blipFill>
-        <p:spPr>
-          <a:xfrm>
-            <a:off x="5685852" y="1192919"/>
-            <a:ext cx="137673" cy="142836"/>
-          </a:xfrm>
-          <a:prstGeom prst="rect">
-            <a:avLst/>
-          </a:prstGeom>
-        </p:spPr>
-      </p:pic>
-      <p:pic>
-        <p:nvPicPr>
-          <p:cNvPr id="15" name="Picture 14" descr="Screen Shot 2015-09-07 at 1.54.57 PM.png"/>
-          <p:cNvPicPr>
-            <a:picLocks noChangeAspect="1"/>
-          </p:cNvPicPr>
-          <p:nvPr/>
-        </p:nvPicPr>
-        <p:blipFill>
-          <a:blip r:embed="rId5">
-            <a:extLst>
-              <a:ext uri="{28A0092B-C50C-407E-A947-70E740481C1C}">
-                <a14:useLocalDpi xmlns:a14="http://schemas.microsoft.com/office/drawing/2010/main" val="0"/>
-              </a:ext>
-            </a:extLst>
-          </a:blip>
-          <a:stretch>
-            <a:fillRect/>
-          </a:stretch>
-        </p:blipFill>
-        <p:spPr>
-          <a:xfrm>
-            <a:off x="5593832" y="1724254"/>
-            <a:ext cx="660400" cy="571500"/>
-          </a:xfrm>
-          <a:prstGeom prst="rect">
-            <a:avLst/>
-          </a:prstGeom>
-        </p:spPr>
-      </p:pic>
-      <p:pic>
-        <p:nvPicPr>
-          <p:cNvPr id="16" name="Picture 15" descr="Screen Shot 2015-09-07 at 1.31.47 PM.png"/>
-          <p:cNvPicPr>
-            <a:picLocks noChangeAspect="1"/>
-          </p:cNvPicPr>
-          <p:nvPr/>
-        </p:nvPicPr>
-        <p:blipFill rotWithShape="1">
-          <a:blip r:embed="rId3">
-            <a:extLst>
-              <a:ext uri="{28A0092B-C50C-407E-A947-70E740481C1C}">
-                <a14:useLocalDpi xmlns:a14="http://schemas.microsoft.com/office/drawing/2010/main" val="0"/>
-              </a:ext>
-            </a:extLst>
-          </a:blip>
-          <a:srcRect l="37701" t="81721" r="39053"/>
-          <a:stretch/>
-        </p:blipFill>
-        <p:spPr>
-          <a:xfrm>
-            <a:off x="5539972" y="2607119"/>
-            <a:ext cx="938265" cy="477555"/>
-          </a:xfrm>
-          <a:prstGeom prst="rect">
-            <a:avLst/>
-          </a:prstGeom>
-        </p:spPr>
-      </p:pic>
     </p:spTree>
     <p:extLst>
       <p:ext uri="{BB962C8B-B14F-4D97-AF65-F5344CB8AC3E}">

--- a/writeup/figures/stim_figure.pptx
+++ b/writeup/figures/stim_figure.pptx
@@ -4,6 +4,9 @@
   <p:sldMasterIdLst>
     <p:sldMasterId id="2147483648" r:id="rId1"/>
   </p:sldMasterIdLst>
+  <p:notesMasterIdLst>
+    <p:notesMasterId r:id="rId9"/>
+  </p:notesMasterIdLst>
   <p:sldIdLst>
     <p:sldId id="257" r:id="rId2"/>
     <p:sldId id="261" r:id="rId3"/>
@@ -11,6 +14,7 @@
     <p:sldId id="260" r:id="rId5"/>
     <p:sldId id="259" r:id="rId6"/>
     <p:sldId id="263" r:id="rId7"/>
+    <p:sldId id="264" r:id="rId8"/>
   </p:sldIdLst>
   <p:sldSz cx="9144000" cy="6858000" type="screen4x3"/>
   <p:notesSz cx="6858000" cy="9144000"/>
@@ -110,6 +114,440 @@
     </a:lvl9pPr>
   </p:defaultTextStyle>
 </p:presentation>
+</file>
+
+<file path=ppt/notesMasters/notesMaster1.xml><?xml version="1.0" encoding="utf-8"?>
+<p:notesMaster xmlns:a="http://schemas.openxmlformats.org/drawingml/2006/main" xmlns:r="http://schemas.openxmlformats.org/officeDocument/2006/relationships" xmlns:p="http://schemas.openxmlformats.org/presentationml/2006/main">
+  <p:cSld>
+    <p:bg>
+      <p:bgRef idx="1001">
+        <a:schemeClr val="bg1"/>
+      </p:bgRef>
+    </p:bg>
+    <p:spTree>
+      <p:nvGrpSpPr>
+        <p:cNvPr id="1" name=""/>
+        <p:cNvGrpSpPr/>
+        <p:nvPr/>
+      </p:nvGrpSpPr>
+      <p:grpSpPr>
+        <a:xfrm>
+          <a:off x="0" y="0"/>
+          <a:ext cx="0" cy="0"/>
+          <a:chOff x="0" y="0"/>
+          <a:chExt cx="0" cy="0"/>
+        </a:xfrm>
+      </p:grpSpPr>
+      <p:sp>
+        <p:nvSpPr>
+          <p:cNvPr id="2" name="Header Placeholder 1"/>
+          <p:cNvSpPr>
+            <a:spLocks noGrp="1"/>
+          </p:cNvSpPr>
+          <p:nvPr>
+            <p:ph type="hdr" sz="quarter"/>
+          </p:nvPr>
+        </p:nvSpPr>
+        <p:spPr>
+          <a:xfrm>
+            <a:off x="0" y="0"/>
+            <a:ext cx="2971800" cy="457200"/>
+          </a:xfrm>
+          <a:prstGeom prst="rect">
+            <a:avLst/>
+          </a:prstGeom>
+        </p:spPr>
+        <p:txBody>
+          <a:bodyPr vert="horz" lIns="91440" tIns="45720" rIns="91440" bIns="45720" rtlCol="0"/>
+          <a:lstStyle>
+            <a:lvl1pPr algn="l">
+              <a:defRPr sz="1200"/>
+            </a:lvl1pPr>
+          </a:lstStyle>
+          <a:p>
+            <a:endParaRPr lang="en-US"/>
+          </a:p>
+        </p:txBody>
+      </p:sp>
+      <p:sp>
+        <p:nvSpPr>
+          <p:cNvPr id="3" name="Date Placeholder 2"/>
+          <p:cNvSpPr>
+            <a:spLocks noGrp="1"/>
+          </p:cNvSpPr>
+          <p:nvPr>
+            <p:ph type="dt" idx="1"/>
+          </p:nvPr>
+        </p:nvSpPr>
+        <p:spPr>
+          <a:xfrm>
+            <a:off x="3884613" y="0"/>
+            <a:ext cx="2971800" cy="457200"/>
+          </a:xfrm>
+          <a:prstGeom prst="rect">
+            <a:avLst/>
+          </a:prstGeom>
+        </p:spPr>
+        <p:txBody>
+          <a:bodyPr vert="horz" lIns="91440" tIns="45720" rIns="91440" bIns="45720" rtlCol="0"/>
+          <a:lstStyle>
+            <a:lvl1pPr algn="r">
+              <a:defRPr sz="1200"/>
+            </a:lvl1pPr>
+          </a:lstStyle>
+          <a:p>
+            <a:fld id="{6ADE749A-E2A8-3043-95E1-0F39E775EB41}" type="datetimeFigureOut">
+              <a:rPr lang="en-US" smtClean="0"/>
+              <a:t>9/10/15</a:t>
+            </a:fld>
+            <a:endParaRPr lang="en-US"/>
+          </a:p>
+        </p:txBody>
+      </p:sp>
+      <p:sp>
+        <p:nvSpPr>
+          <p:cNvPr id="4" name="Slide Image Placeholder 3"/>
+          <p:cNvSpPr>
+            <a:spLocks noGrp="1" noRot="1" noChangeAspect="1"/>
+          </p:cNvSpPr>
+          <p:nvPr>
+            <p:ph type="sldImg" idx="2"/>
+          </p:nvPr>
+        </p:nvSpPr>
+        <p:spPr>
+          <a:xfrm>
+            <a:off x="1143000" y="685800"/>
+            <a:ext cx="4572000" cy="3429000"/>
+          </a:xfrm>
+          <a:prstGeom prst="rect">
+            <a:avLst/>
+          </a:prstGeom>
+          <a:noFill/>
+          <a:ln w="12700">
+            <a:solidFill>
+              <a:prstClr val="black"/>
+            </a:solidFill>
+          </a:ln>
+        </p:spPr>
+        <p:txBody>
+          <a:bodyPr vert="horz" lIns="91440" tIns="45720" rIns="91440" bIns="45720" rtlCol="0" anchor="ctr"/>
+          <a:lstStyle/>
+          <a:p>
+            <a:endParaRPr lang="en-US"/>
+          </a:p>
+        </p:txBody>
+      </p:sp>
+      <p:sp>
+        <p:nvSpPr>
+          <p:cNvPr id="5" name="Notes Placeholder 4"/>
+          <p:cNvSpPr>
+            <a:spLocks noGrp="1"/>
+          </p:cNvSpPr>
+          <p:nvPr>
+            <p:ph type="body" sz="quarter" idx="3"/>
+          </p:nvPr>
+        </p:nvSpPr>
+        <p:spPr>
+          <a:xfrm>
+            <a:off x="685800" y="4343400"/>
+            <a:ext cx="5486400" cy="4114800"/>
+          </a:xfrm>
+          <a:prstGeom prst="rect">
+            <a:avLst/>
+          </a:prstGeom>
+        </p:spPr>
+        <p:txBody>
+          <a:bodyPr vert="horz" lIns="91440" tIns="45720" rIns="91440" bIns="45720" rtlCol="0"/>
+          <a:lstStyle/>
+          <a:p>
+            <a:pPr lvl="0"/>
+            <a:r>
+              <a:rPr lang="en-US" smtClean="0"/>
+              <a:t>Click to edit Master text styles</a:t>
+            </a:r>
+          </a:p>
+          <a:p>
+            <a:pPr lvl="1"/>
+            <a:r>
+              <a:rPr lang="en-US" smtClean="0"/>
+              <a:t>Second level</a:t>
+            </a:r>
+          </a:p>
+          <a:p>
+            <a:pPr lvl="2"/>
+            <a:r>
+              <a:rPr lang="en-US" smtClean="0"/>
+              <a:t>Third level</a:t>
+            </a:r>
+          </a:p>
+          <a:p>
+            <a:pPr lvl="3"/>
+            <a:r>
+              <a:rPr lang="en-US" smtClean="0"/>
+              <a:t>Fourth level</a:t>
+            </a:r>
+          </a:p>
+          <a:p>
+            <a:pPr lvl="4"/>
+            <a:r>
+              <a:rPr lang="en-US" smtClean="0"/>
+              <a:t>Fifth level</a:t>
+            </a:r>
+            <a:endParaRPr lang="en-US"/>
+          </a:p>
+        </p:txBody>
+      </p:sp>
+      <p:sp>
+        <p:nvSpPr>
+          <p:cNvPr id="6" name="Footer Placeholder 5"/>
+          <p:cNvSpPr>
+            <a:spLocks noGrp="1"/>
+          </p:cNvSpPr>
+          <p:nvPr>
+            <p:ph type="ftr" sz="quarter" idx="4"/>
+          </p:nvPr>
+        </p:nvSpPr>
+        <p:spPr>
+          <a:xfrm>
+            <a:off x="0" y="8685213"/>
+            <a:ext cx="2971800" cy="457200"/>
+          </a:xfrm>
+          <a:prstGeom prst="rect">
+            <a:avLst/>
+          </a:prstGeom>
+        </p:spPr>
+        <p:txBody>
+          <a:bodyPr vert="horz" lIns="91440" tIns="45720" rIns="91440" bIns="45720" rtlCol="0" anchor="b"/>
+          <a:lstStyle>
+            <a:lvl1pPr algn="l">
+              <a:defRPr sz="1200"/>
+            </a:lvl1pPr>
+          </a:lstStyle>
+          <a:p>
+            <a:endParaRPr lang="en-US"/>
+          </a:p>
+        </p:txBody>
+      </p:sp>
+      <p:sp>
+        <p:nvSpPr>
+          <p:cNvPr id="7" name="Slide Number Placeholder 6"/>
+          <p:cNvSpPr>
+            <a:spLocks noGrp="1"/>
+          </p:cNvSpPr>
+          <p:nvPr>
+            <p:ph type="sldNum" sz="quarter" idx="5"/>
+          </p:nvPr>
+        </p:nvSpPr>
+        <p:spPr>
+          <a:xfrm>
+            <a:off x="3884613" y="8685213"/>
+            <a:ext cx="2971800" cy="457200"/>
+          </a:xfrm>
+          <a:prstGeom prst="rect">
+            <a:avLst/>
+          </a:prstGeom>
+        </p:spPr>
+        <p:txBody>
+          <a:bodyPr vert="horz" lIns="91440" tIns="45720" rIns="91440" bIns="45720" rtlCol="0" anchor="b"/>
+          <a:lstStyle>
+            <a:lvl1pPr algn="r">
+              <a:defRPr sz="1200"/>
+            </a:lvl1pPr>
+          </a:lstStyle>
+          <a:p>
+            <a:fld id="{76AC011B-C856-B843-BCC7-B08516A53392}" type="slidenum">
+              <a:rPr lang="en-US" smtClean="0"/>
+              <a:t>‹#›</a:t>
+            </a:fld>
+            <a:endParaRPr lang="en-US"/>
+          </a:p>
+        </p:txBody>
+      </p:sp>
+    </p:spTree>
+    <p:extLst>
+      <p:ext uri="{BB962C8B-B14F-4D97-AF65-F5344CB8AC3E}">
+        <p14:creationId xmlns:p14="http://schemas.microsoft.com/office/powerpoint/2010/main" val="2239207199"/>
+      </p:ext>
+    </p:extLst>
+  </p:cSld>
+  <p:clrMap bg1="lt1" tx1="dk1" bg2="lt2" tx2="dk2" accent1="accent1" accent2="accent2" accent3="accent3" accent4="accent4" accent5="accent5" accent6="accent6" hlink="hlink" folHlink="folHlink"/>
+  <p:notesStyle>
+    <a:lvl1pPr marL="0" algn="l" defTabSz="457200" rtl="0" eaLnBrk="1" latinLnBrk="0" hangingPunct="1">
+      <a:defRPr sz="1200" kern="1200">
+        <a:solidFill>
+          <a:schemeClr val="tx1"/>
+        </a:solidFill>
+        <a:latin typeface="+mn-lt"/>
+        <a:ea typeface="+mn-ea"/>
+        <a:cs typeface="+mn-cs"/>
+      </a:defRPr>
+    </a:lvl1pPr>
+    <a:lvl2pPr marL="457200" algn="l" defTabSz="457200" rtl="0" eaLnBrk="1" latinLnBrk="0" hangingPunct="1">
+      <a:defRPr sz="1200" kern="1200">
+        <a:solidFill>
+          <a:schemeClr val="tx1"/>
+        </a:solidFill>
+        <a:latin typeface="+mn-lt"/>
+        <a:ea typeface="+mn-ea"/>
+        <a:cs typeface="+mn-cs"/>
+      </a:defRPr>
+    </a:lvl2pPr>
+    <a:lvl3pPr marL="914400" algn="l" defTabSz="457200" rtl="0" eaLnBrk="1" latinLnBrk="0" hangingPunct="1">
+      <a:defRPr sz="1200" kern="1200">
+        <a:solidFill>
+          <a:schemeClr val="tx1"/>
+        </a:solidFill>
+        <a:latin typeface="+mn-lt"/>
+        <a:ea typeface="+mn-ea"/>
+        <a:cs typeface="+mn-cs"/>
+      </a:defRPr>
+    </a:lvl3pPr>
+    <a:lvl4pPr marL="1371600" algn="l" defTabSz="457200" rtl="0" eaLnBrk="1" latinLnBrk="0" hangingPunct="1">
+      <a:defRPr sz="1200" kern="1200">
+        <a:solidFill>
+          <a:schemeClr val="tx1"/>
+        </a:solidFill>
+        <a:latin typeface="+mn-lt"/>
+        <a:ea typeface="+mn-ea"/>
+        <a:cs typeface="+mn-cs"/>
+      </a:defRPr>
+    </a:lvl4pPr>
+    <a:lvl5pPr marL="1828800" algn="l" defTabSz="457200" rtl="0" eaLnBrk="1" latinLnBrk="0" hangingPunct="1">
+      <a:defRPr sz="1200" kern="1200">
+        <a:solidFill>
+          <a:schemeClr val="tx1"/>
+        </a:solidFill>
+        <a:latin typeface="+mn-lt"/>
+        <a:ea typeface="+mn-ea"/>
+        <a:cs typeface="+mn-cs"/>
+      </a:defRPr>
+    </a:lvl5pPr>
+    <a:lvl6pPr marL="2286000" algn="l" defTabSz="457200" rtl="0" eaLnBrk="1" latinLnBrk="0" hangingPunct="1">
+      <a:defRPr sz="1200" kern="1200">
+        <a:solidFill>
+          <a:schemeClr val="tx1"/>
+        </a:solidFill>
+        <a:latin typeface="+mn-lt"/>
+        <a:ea typeface="+mn-ea"/>
+        <a:cs typeface="+mn-cs"/>
+      </a:defRPr>
+    </a:lvl6pPr>
+    <a:lvl7pPr marL="2743200" algn="l" defTabSz="457200" rtl="0" eaLnBrk="1" latinLnBrk="0" hangingPunct="1">
+      <a:defRPr sz="1200" kern="1200">
+        <a:solidFill>
+          <a:schemeClr val="tx1"/>
+        </a:solidFill>
+        <a:latin typeface="+mn-lt"/>
+        <a:ea typeface="+mn-ea"/>
+        <a:cs typeface="+mn-cs"/>
+      </a:defRPr>
+    </a:lvl7pPr>
+    <a:lvl8pPr marL="3200400" algn="l" defTabSz="457200" rtl="0" eaLnBrk="1" latinLnBrk="0" hangingPunct="1">
+      <a:defRPr sz="1200" kern="1200">
+        <a:solidFill>
+          <a:schemeClr val="tx1"/>
+        </a:solidFill>
+        <a:latin typeface="+mn-lt"/>
+        <a:ea typeface="+mn-ea"/>
+        <a:cs typeface="+mn-cs"/>
+      </a:defRPr>
+    </a:lvl8pPr>
+    <a:lvl9pPr marL="3657600" algn="l" defTabSz="457200" rtl="0" eaLnBrk="1" latinLnBrk="0" hangingPunct="1">
+      <a:defRPr sz="1200" kern="1200">
+        <a:solidFill>
+          <a:schemeClr val="tx1"/>
+        </a:solidFill>
+        <a:latin typeface="+mn-lt"/>
+        <a:ea typeface="+mn-ea"/>
+        <a:cs typeface="+mn-cs"/>
+      </a:defRPr>
+    </a:lvl9pPr>
+  </p:notesStyle>
+</p:notesMaster>
+</file>
+
+<file path=ppt/notesSlides/notesSlide1.xml><?xml version="1.0" encoding="utf-8"?>
+<p:notes xmlns:a="http://schemas.openxmlformats.org/drawingml/2006/main" xmlns:r="http://schemas.openxmlformats.org/officeDocument/2006/relationships" xmlns:p="http://schemas.openxmlformats.org/presentationml/2006/main">
+  <p:cSld>
+    <p:spTree>
+      <p:nvGrpSpPr>
+        <p:cNvPr id="1" name=""/>
+        <p:cNvGrpSpPr/>
+        <p:nvPr/>
+      </p:nvGrpSpPr>
+      <p:grpSpPr>
+        <a:xfrm>
+          <a:off x="0" y="0"/>
+          <a:ext cx="0" cy="0"/>
+          <a:chOff x="0" y="0"/>
+          <a:chExt cx="0" cy="0"/>
+        </a:xfrm>
+      </p:grpSpPr>
+      <p:sp>
+        <p:nvSpPr>
+          <p:cNvPr id="2" name="Slide Image Placeholder 1"/>
+          <p:cNvSpPr>
+            <a:spLocks noGrp="1" noRot="1" noChangeAspect="1"/>
+          </p:cNvSpPr>
+          <p:nvPr>
+            <p:ph type="sldImg"/>
+          </p:nvPr>
+        </p:nvSpPr>
+        <p:spPr/>
+      </p:sp>
+      <p:sp>
+        <p:nvSpPr>
+          <p:cNvPr id="3" name="Notes Placeholder 2"/>
+          <p:cNvSpPr>
+            <a:spLocks noGrp="1"/>
+          </p:cNvSpPr>
+          <p:nvPr>
+            <p:ph type="body" idx="1"/>
+          </p:nvPr>
+        </p:nvSpPr>
+        <p:spPr/>
+        <p:txBody>
+          <a:bodyPr/>
+          <a:lstStyle/>
+          <a:p>
+            <a:endParaRPr lang="en-US" dirty="0"/>
+          </a:p>
+        </p:txBody>
+      </p:sp>
+      <p:sp>
+        <p:nvSpPr>
+          <p:cNvPr id="4" name="Slide Number Placeholder 3"/>
+          <p:cNvSpPr>
+            <a:spLocks noGrp="1"/>
+          </p:cNvSpPr>
+          <p:nvPr>
+            <p:ph type="sldNum" sz="quarter" idx="10"/>
+          </p:nvPr>
+        </p:nvSpPr>
+        <p:spPr/>
+        <p:txBody>
+          <a:bodyPr/>
+          <a:lstStyle/>
+          <a:p>
+            <a:fld id="{76AC011B-C856-B843-BCC7-B08516A53392}" type="slidenum">
+              <a:rPr lang="en-US" smtClean="0"/>
+              <a:t>7</a:t>
+            </a:fld>
+            <a:endParaRPr lang="en-US"/>
+          </a:p>
+        </p:txBody>
+      </p:sp>
+    </p:spTree>
+    <p:extLst>
+      <p:ext uri="{BB962C8B-B14F-4D97-AF65-F5344CB8AC3E}">
+        <p14:creationId xmlns:p14="http://schemas.microsoft.com/office/powerpoint/2010/main" val="2659447891"/>
+      </p:ext>
+    </p:extLst>
+  </p:cSld>
+  <p:clrMapOvr>
+    <a:masterClrMapping/>
+  </p:clrMapOvr>
+</p:notes>
 </file>
 
 <file path=ppt/slideLayouts/slideLayout1.xml><?xml version="1.0" encoding="utf-8"?>
@@ -293,7 +731,7 @@
           <a:p>
             <a:fld id="{4694143A-940B-0440-9B68-8C08B5AF502E}" type="datetimeFigureOut">
               <a:rPr lang="en-US" smtClean="0"/>
-              <a:t>9/7/15</a:t>
+              <a:t>9/10/15</a:t>
             </a:fld>
             <a:endParaRPr lang="en-US"/>
           </a:p>
@@ -463,7 +901,7 @@
           <a:p>
             <a:fld id="{4694143A-940B-0440-9B68-8C08B5AF502E}" type="datetimeFigureOut">
               <a:rPr lang="en-US" smtClean="0"/>
-              <a:t>9/7/15</a:t>
+              <a:t>9/10/15</a:t>
             </a:fld>
             <a:endParaRPr lang="en-US"/>
           </a:p>
@@ -643,7 +1081,7 @@
           <a:p>
             <a:fld id="{4694143A-940B-0440-9B68-8C08B5AF502E}" type="datetimeFigureOut">
               <a:rPr lang="en-US" smtClean="0"/>
-              <a:t>9/7/15</a:t>
+              <a:t>9/10/15</a:t>
             </a:fld>
             <a:endParaRPr lang="en-US"/>
           </a:p>
@@ -813,7 +1251,7 @@
           <a:p>
             <a:fld id="{4694143A-940B-0440-9B68-8C08B5AF502E}" type="datetimeFigureOut">
               <a:rPr lang="en-US" smtClean="0"/>
-              <a:t>9/7/15</a:t>
+              <a:t>9/10/15</a:t>
             </a:fld>
             <a:endParaRPr lang="en-US"/>
           </a:p>
@@ -1059,7 +1497,7 @@
           <a:p>
             <a:fld id="{4694143A-940B-0440-9B68-8C08B5AF502E}" type="datetimeFigureOut">
               <a:rPr lang="en-US" smtClean="0"/>
-              <a:t>9/7/15</a:t>
+              <a:t>9/10/15</a:t>
             </a:fld>
             <a:endParaRPr lang="en-US"/>
           </a:p>
@@ -1347,7 +1785,7 @@
           <a:p>
             <a:fld id="{4694143A-940B-0440-9B68-8C08B5AF502E}" type="datetimeFigureOut">
               <a:rPr lang="en-US" smtClean="0"/>
-              <a:t>9/7/15</a:t>
+              <a:t>9/10/15</a:t>
             </a:fld>
             <a:endParaRPr lang="en-US"/>
           </a:p>
@@ -1769,7 +2207,7 @@
           <a:p>
             <a:fld id="{4694143A-940B-0440-9B68-8C08B5AF502E}" type="datetimeFigureOut">
               <a:rPr lang="en-US" smtClean="0"/>
-              <a:t>9/7/15</a:t>
+              <a:t>9/10/15</a:t>
             </a:fld>
             <a:endParaRPr lang="en-US"/>
           </a:p>
@@ -1887,7 +2325,7 @@
           <a:p>
             <a:fld id="{4694143A-940B-0440-9B68-8C08B5AF502E}" type="datetimeFigureOut">
               <a:rPr lang="en-US" smtClean="0"/>
-              <a:t>9/7/15</a:t>
+              <a:t>9/10/15</a:t>
             </a:fld>
             <a:endParaRPr lang="en-US"/>
           </a:p>
@@ -1982,7 +2420,7 @@
           <a:p>
             <a:fld id="{4694143A-940B-0440-9B68-8C08B5AF502E}" type="datetimeFigureOut">
               <a:rPr lang="en-US" smtClean="0"/>
-              <a:t>9/7/15</a:t>
+              <a:t>9/10/15</a:t>
             </a:fld>
             <a:endParaRPr lang="en-US"/>
           </a:p>
@@ -2259,7 +2697,7 @@
           <a:p>
             <a:fld id="{4694143A-940B-0440-9B68-8C08B5AF502E}" type="datetimeFigureOut">
               <a:rPr lang="en-US" smtClean="0"/>
-              <a:t>9/7/15</a:t>
+              <a:t>9/10/15</a:t>
             </a:fld>
             <a:endParaRPr lang="en-US"/>
           </a:p>
@@ -2512,7 +2950,7 @@
           <a:p>
             <a:fld id="{4694143A-940B-0440-9B68-8C08B5AF502E}" type="datetimeFigureOut">
               <a:rPr lang="en-US" smtClean="0"/>
-              <a:t>9/7/15</a:t>
+              <a:t>9/10/15</a:t>
             </a:fld>
             <a:endParaRPr lang="en-US"/>
           </a:p>
@@ -2725,7 +3163,7 @@
           <a:p>
             <a:fld id="{4694143A-940B-0440-9B68-8C08B5AF502E}" type="datetimeFigureOut">
               <a:rPr lang="en-US" smtClean="0"/>
-              <a:t>9/7/15</a:t>
+              <a:t>9/10/15</a:t>
             </a:fld>
             <a:endParaRPr lang="en-US"/>
           </a:p>
@@ -8738,6 +9176,487 @@
 </p:sld>
 </file>
 
+<file path=ppt/slides/slide7.xml><?xml version="1.0" encoding="utf-8"?>
+<p:sld xmlns:a="http://schemas.openxmlformats.org/drawingml/2006/main" xmlns:r="http://schemas.openxmlformats.org/officeDocument/2006/relationships" xmlns:p="http://schemas.openxmlformats.org/presentationml/2006/main">
+  <p:cSld>
+    <p:spTree>
+      <p:nvGrpSpPr>
+        <p:cNvPr id="1" name=""/>
+        <p:cNvGrpSpPr/>
+        <p:nvPr/>
+      </p:nvGrpSpPr>
+      <p:grpSpPr>
+        <a:xfrm>
+          <a:off x="0" y="0"/>
+          <a:ext cx="0" cy="0"/>
+          <a:chOff x="0" y="0"/>
+          <a:chExt cx="0" cy="0"/>
+        </a:xfrm>
+      </p:grpSpPr>
+      <p:grpSp>
+        <p:nvGrpSpPr>
+          <p:cNvPr id="9" name="Group 8"/>
+          <p:cNvGrpSpPr/>
+          <p:nvPr/>
+        </p:nvGrpSpPr>
+        <p:grpSpPr>
+          <a:xfrm>
+            <a:off x="661242" y="166473"/>
+            <a:ext cx="6600625" cy="3208870"/>
+            <a:chOff x="661242" y="166473"/>
+            <a:chExt cx="6600625" cy="3208870"/>
+          </a:xfrm>
+        </p:grpSpPr>
+        <p:pic>
+          <p:nvPicPr>
+            <p:cNvPr id="6" name="Picture 5" descr="Screen Shot 2015-09-07 at 12.29.10 PM.png"/>
+            <p:cNvPicPr>
+              <a:picLocks noChangeAspect="1"/>
+            </p:cNvPicPr>
+            <p:nvPr/>
+          </p:nvPicPr>
+          <p:blipFill rotWithShape="1">
+            <a:blip r:embed="rId3">
+              <a:extLst>
+                <a:ext uri="{28A0092B-C50C-407E-A947-70E740481C1C}">
+                  <a14:useLocalDpi xmlns:a14="http://schemas.microsoft.com/office/drawing/2010/main" val="0"/>
+                </a:ext>
+              </a:extLst>
+            </a:blip>
+            <a:srcRect l="28720" t="82744" r="35264"/>
+            <a:stretch/>
+          </p:blipFill>
+          <p:spPr>
+            <a:xfrm>
+              <a:off x="1379741" y="2751488"/>
+              <a:ext cx="1480179" cy="623855"/>
+            </a:xfrm>
+            <a:prstGeom prst="rect">
+              <a:avLst/>
+            </a:prstGeom>
+          </p:spPr>
+        </p:pic>
+        <p:pic>
+          <p:nvPicPr>
+            <p:cNvPr id="4" name="Picture 3" descr="Screen Shot 2015-09-07 at 12.29.10 PM.png"/>
+            <p:cNvPicPr>
+              <a:picLocks noChangeAspect="1"/>
+            </p:cNvPicPr>
+            <p:nvPr/>
+          </p:nvPicPr>
+          <p:blipFill rotWithShape="1">
+            <a:blip r:embed="rId3">
+              <a:extLst>
+                <a:ext uri="{28A0092B-C50C-407E-A947-70E740481C1C}">
+                  <a14:useLocalDpi xmlns:a14="http://schemas.microsoft.com/office/drawing/2010/main" val="0"/>
+                </a:ext>
+              </a:extLst>
+            </a:blip>
+            <a:srcRect l="57854" t="10890" b="20724"/>
+            <a:stretch/>
+          </p:blipFill>
+          <p:spPr>
+            <a:xfrm>
+              <a:off x="2111299" y="655637"/>
+              <a:ext cx="1518535" cy="2167501"/>
+            </a:xfrm>
+            <a:prstGeom prst="rect">
+              <a:avLst/>
+            </a:prstGeom>
+          </p:spPr>
+        </p:pic>
+        <p:pic>
+          <p:nvPicPr>
+            <p:cNvPr id="5" name="Picture 4" descr="Screen Shot 2015-09-07 at 12.29.10 PM.png"/>
+            <p:cNvPicPr>
+              <a:picLocks noChangeAspect="1"/>
+            </p:cNvPicPr>
+            <p:nvPr/>
+          </p:nvPicPr>
+          <p:blipFill rotWithShape="1">
+            <a:blip r:embed="rId3">
+              <a:extLst>
+                <a:ext uri="{28A0092B-C50C-407E-A947-70E740481C1C}">
+                  <a14:useLocalDpi xmlns:a14="http://schemas.microsoft.com/office/drawing/2010/main" val="0"/>
+                </a:ext>
+              </a:extLst>
+            </a:blip>
+            <a:srcRect l="3815" t="10889" r="52507" b="19870"/>
+            <a:stretch/>
+          </p:blipFill>
+          <p:spPr>
+            <a:xfrm>
+              <a:off x="661242" y="628561"/>
+              <a:ext cx="1573755" cy="2194577"/>
+            </a:xfrm>
+            <a:prstGeom prst="rect">
+              <a:avLst/>
+            </a:prstGeom>
+          </p:spPr>
+        </p:pic>
+        <p:pic>
+          <p:nvPicPr>
+            <p:cNvPr id="7" name="Picture 6" descr="Screen Shot 2015-09-07 at 1.31.47 PM.png"/>
+            <p:cNvPicPr>
+              <a:picLocks noChangeAspect="1"/>
+            </p:cNvPicPr>
+            <p:nvPr/>
+          </p:nvPicPr>
+          <p:blipFill rotWithShape="1">
+            <a:blip r:embed="rId4">
+              <a:extLst>
+                <a:ext uri="{28A0092B-C50C-407E-A947-70E740481C1C}">
+                  <a14:useLocalDpi xmlns:a14="http://schemas.microsoft.com/office/drawing/2010/main" val="0"/>
+                </a:ext>
+              </a:extLst>
+            </a:blip>
+            <a:srcRect b="80472"/>
+            <a:stretch/>
+          </p:blipFill>
+          <p:spPr>
+            <a:xfrm>
+              <a:off x="4114356" y="1651819"/>
+              <a:ext cx="3147511" cy="397829"/>
+            </a:xfrm>
+            <a:prstGeom prst="rect">
+              <a:avLst/>
+            </a:prstGeom>
+          </p:spPr>
+        </p:pic>
+        <p:pic>
+          <p:nvPicPr>
+            <p:cNvPr id="8" name="Picture 7" descr="Screen Shot 2015-09-07 at 1.31.47 PM.png"/>
+            <p:cNvPicPr>
+              <a:picLocks noChangeAspect="1"/>
+            </p:cNvPicPr>
+            <p:nvPr/>
+          </p:nvPicPr>
+          <p:blipFill rotWithShape="1">
+            <a:blip r:embed="rId4">
+              <a:extLst>
+                <a:ext uri="{28A0092B-C50C-407E-A947-70E740481C1C}">
+                  <a14:useLocalDpi xmlns:a14="http://schemas.microsoft.com/office/drawing/2010/main" val="0"/>
+                </a:ext>
+              </a:extLst>
+            </a:blip>
+            <a:srcRect l="37701" t="59894" r="39053" b="21826"/>
+            <a:stretch/>
+          </p:blipFill>
+          <p:spPr>
+            <a:xfrm>
+              <a:off x="5109354" y="2432689"/>
+              <a:ext cx="1055029" cy="536985"/>
+            </a:xfrm>
+            <a:prstGeom prst="rect">
+              <a:avLst/>
+            </a:prstGeom>
+          </p:spPr>
+        </p:pic>
+        <p:grpSp>
+          <p:nvGrpSpPr>
+            <p:cNvPr id="12" name="Group 11"/>
+            <p:cNvGrpSpPr/>
+            <p:nvPr/>
+          </p:nvGrpSpPr>
+          <p:grpSpPr>
+            <a:xfrm>
+              <a:off x="4938129" y="647195"/>
+              <a:ext cx="1421355" cy="1050758"/>
+              <a:chOff x="621765" y="498079"/>
+              <a:chExt cx="2968592" cy="2194577"/>
+            </a:xfrm>
+          </p:grpSpPr>
+          <p:pic>
+            <p:nvPicPr>
+              <p:cNvPr id="10" name="Picture 9" descr="Screen Shot 2015-09-07 at 12.29.10 PM.png"/>
+              <p:cNvPicPr>
+                <a:picLocks noChangeAspect="1"/>
+              </p:cNvPicPr>
+              <p:nvPr/>
+            </p:nvPicPr>
+            <p:blipFill rotWithShape="1">
+              <a:blip r:embed="rId3">
+                <a:extLst>
+                  <a:ext uri="{28A0092B-C50C-407E-A947-70E740481C1C}">
+                    <a14:useLocalDpi xmlns:a14="http://schemas.microsoft.com/office/drawing/2010/main" val="0"/>
+                  </a:ext>
+                </a:extLst>
+              </a:blip>
+              <a:srcRect l="57854" t="10890" b="20724"/>
+              <a:stretch/>
+            </p:blipFill>
+            <p:spPr>
+              <a:xfrm>
+                <a:off x="2071822" y="525155"/>
+                <a:ext cx="1518535" cy="2167501"/>
+              </a:xfrm>
+              <a:prstGeom prst="rect">
+                <a:avLst/>
+              </a:prstGeom>
+            </p:spPr>
+          </p:pic>
+          <p:pic>
+            <p:nvPicPr>
+              <p:cNvPr id="11" name="Picture 10" descr="Screen Shot 2015-09-07 at 12.29.10 PM.png"/>
+              <p:cNvPicPr>
+                <a:picLocks noChangeAspect="1"/>
+              </p:cNvPicPr>
+              <p:nvPr/>
+            </p:nvPicPr>
+            <p:blipFill rotWithShape="1">
+              <a:blip r:embed="rId3">
+                <a:extLst>
+                  <a:ext uri="{28A0092B-C50C-407E-A947-70E740481C1C}">
+                    <a14:useLocalDpi xmlns:a14="http://schemas.microsoft.com/office/drawing/2010/main" val="0"/>
+                  </a:ext>
+                </a:extLst>
+              </a:blip>
+              <a:srcRect l="3815" t="10889" r="52507" b="19870"/>
+              <a:stretch/>
+            </p:blipFill>
+            <p:spPr>
+              <a:xfrm>
+                <a:off x="621765" y="498079"/>
+                <a:ext cx="1573755" cy="2194577"/>
+              </a:xfrm>
+              <a:prstGeom prst="rect">
+                <a:avLst/>
+              </a:prstGeom>
+            </p:spPr>
+          </p:pic>
+        </p:grpSp>
+        <p:sp>
+          <p:nvSpPr>
+            <p:cNvPr id="14" name="Rectangle 13"/>
+            <p:cNvSpPr/>
+            <p:nvPr/>
+          </p:nvSpPr>
+          <p:spPr>
+            <a:xfrm>
+              <a:off x="5363817" y="1477685"/>
+              <a:ext cx="261712" cy="220268"/>
+            </a:xfrm>
+            <a:prstGeom prst="rect">
+              <a:avLst/>
+            </a:prstGeom>
+            <a:solidFill>
+              <a:srgbClr val="FFFFFF"/>
+            </a:solidFill>
+            <a:ln>
+              <a:solidFill>
+                <a:schemeClr val="bg1"/>
+              </a:solidFill>
+            </a:ln>
+            <a:effectLst/>
+          </p:spPr>
+          <p:style>
+            <a:lnRef idx="1">
+              <a:schemeClr val="accent1"/>
+            </a:lnRef>
+            <a:fillRef idx="3">
+              <a:schemeClr val="accent1"/>
+            </a:fillRef>
+            <a:effectRef idx="2">
+              <a:schemeClr val="accent1"/>
+            </a:effectRef>
+            <a:fontRef idx="minor">
+              <a:schemeClr val="lt1"/>
+            </a:fontRef>
+          </p:style>
+          <p:txBody>
+            <a:bodyPr rtlCol="0" anchor="ctr"/>
+            <a:lstStyle/>
+            <a:p>
+              <a:pPr algn="ctr"/>
+              <a:endParaRPr lang="en-US"/>
+            </a:p>
+          </p:txBody>
+        </p:sp>
+        <p:pic>
+          <p:nvPicPr>
+            <p:cNvPr id="13" name="Picture 12" descr="Screen Shot 2015-09-07 at 1.35.10 PM.png"/>
+            <p:cNvPicPr>
+              <a:picLocks noChangeAspect="1"/>
+            </p:cNvPicPr>
+            <p:nvPr/>
+          </p:nvPicPr>
+          <p:blipFill>
+            <a:blip r:embed="rId5">
+              <a:extLst>
+                <a:ext uri="{28A0092B-C50C-407E-A947-70E740481C1C}">
+                  <a14:useLocalDpi xmlns:a14="http://schemas.microsoft.com/office/drawing/2010/main" val="0"/>
+                </a:ext>
+              </a:extLst>
+            </a:blip>
+            <a:stretch>
+              <a:fillRect/>
+            </a:stretch>
+          </p:blipFill>
+          <p:spPr>
+            <a:xfrm>
+              <a:off x="5377585" y="1467359"/>
+              <a:ext cx="137673" cy="142836"/>
+            </a:xfrm>
+            <a:prstGeom prst="rect">
+              <a:avLst/>
+            </a:prstGeom>
+          </p:spPr>
+        </p:pic>
+        <p:pic>
+          <p:nvPicPr>
+            <p:cNvPr id="15" name="Picture 14" descr="Screen Shot 2015-09-07 at 1.54.57 PM.png"/>
+            <p:cNvPicPr>
+              <a:picLocks noChangeAspect="1"/>
+            </p:cNvPicPr>
+            <p:nvPr/>
+          </p:nvPicPr>
+          <p:blipFill>
+            <a:blip r:embed="rId6">
+              <a:extLst>
+                <a:ext uri="{28A0092B-C50C-407E-A947-70E740481C1C}">
+                  <a14:useLocalDpi xmlns:a14="http://schemas.microsoft.com/office/drawing/2010/main" val="0"/>
+                </a:ext>
+              </a:extLst>
+            </a:blip>
+            <a:stretch>
+              <a:fillRect/>
+            </a:stretch>
+          </p:blipFill>
+          <p:spPr>
+            <a:xfrm>
+              <a:off x="5285565" y="1998694"/>
+              <a:ext cx="660400" cy="571500"/>
+            </a:xfrm>
+            <a:prstGeom prst="rect">
+              <a:avLst/>
+            </a:prstGeom>
+          </p:spPr>
+        </p:pic>
+        <p:pic>
+          <p:nvPicPr>
+            <p:cNvPr id="16" name="Picture 15" descr="Screen Shot 2015-09-07 at 1.31.47 PM.png"/>
+            <p:cNvPicPr>
+              <a:picLocks noChangeAspect="1"/>
+            </p:cNvPicPr>
+            <p:nvPr/>
+          </p:nvPicPr>
+          <p:blipFill rotWithShape="1">
+            <a:blip r:embed="rId4">
+              <a:extLst>
+                <a:ext uri="{28A0092B-C50C-407E-A947-70E740481C1C}">
+                  <a14:useLocalDpi xmlns:a14="http://schemas.microsoft.com/office/drawing/2010/main" val="0"/>
+                </a:ext>
+              </a:extLst>
+            </a:blip>
+            <a:srcRect l="37701" t="81721" r="39053"/>
+            <a:stretch/>
+          </p:blipFill>
+          <p:spPr>
+            <a:xfrm>
+              <a:off x="5231705" y="2881559"/>
+              <a:ext cx="938265" cy="477555"/>
+            </a:xfrm>
+            <a:prstGeom prst="rect">
+              <a:avLst/>
+            </a:prstGeom>
+          </p:spPr>
+        </p:pic>
+        <p:sp>
+          <p:nvSpPr>
+            <p:cNvPr id="25" name="TextBox 24"/>
+            <p:cNvSpPr txBox="1"/>
+            <p:nvPr/>
+          </p:nvSpPr>
+          <p:spPr>
+            <a:xfrm>
+              <a:off x="1608597" y="188149"/>
+              <a:ext cx="1005403" cy="369332"/>
+            </a:xfrm>
+            <a:prstGeom prst="rect">
+              <a:avLst/>
+            </a:prstGeom>
+            <a:noFill/>
+            <a:ln>
+              <a:noFill/>
+            </a:ln>
+          </p:spPr>
+          <p:txBody>
+            <a:bodyPr wrap="none" rtlCol="0">
+              <a:spAutoFit/>
+            </a:bodyPr>
+            <a:lstStyle/>
+            <a:p>
+              <a:r>
+                <a:rPr lang="en-US" b="1" dirty="0" smtClean="0">
+                  <a:latin typeface="Avenir Book"/>
+                  <a:cs typeface="Avenir Book"/>
+                </a:rPr>
+                <a:t>Training</a:t>
+              </a:r>
+              <a:endParaRPr lang="en-US" dirty="0">
+                <a:latin typeface="Avenir Book"/>
+                <a:cs typeface="Avenir Book"/>
+              </a:endParaRPr>
+            </a:p>
+          </p:txBody>
+        </p:sp>
+        <p:sp>
+          <p:nvSpPr>
+            <p:cNvPr id="20" name="TextBox 19"/>
+            <p:cNvSpPr txBox="1"/>
+            <p:nvPr/>
+          </p:nvSpPr>
+          <p:spPr>
+            <a:xfrm>
+              <a:off x="5200349" y="166473"/>
+              <a:ext cx="919625" cy="369332"/>
+            </a:xfrm>
+            <a:prstGeom prst="rect">
+              <a:avLst/>
+            </a:prstGeom>
+            <a:noFill/>
+          </p:spPr>
+          <p:txBody>
+            <a:bodyPr wrap="none" rtlCol="0">
+              <a:spAutoFit/>
+            </a:bodyPr>
+            <a:lstStyle/>
+            <a:p>
+              <a:r>
+                <a:rPr lang="en-US" b="1" dirty="0" smtClean="0">
+                  <a:latin typeface="Avenir Book"/>
+                  <a:cs typeface="Avenir Book"/>
+                </a:rPr>
+                <a:t>Testing</a:t>
+              </a:r>
+              <a:endParaRPr lang="en-US" dirty="0">
+                <a:latin typeface="Avenir Book"/>
+                <a:cs typeface="Avenir Book"/>
+              </a:endParaRPr>
+            </a:p>
+          </p:txBody>
+        </p:sp>
+      </p:grpSp>
+    </p:spTree>
+    <p:extLst>
+      <p:ext uri="{BB962C8B-B14F-4D97-AF65-F5344CB8AC3E}">
+        <p14:creationId xmlns:p14="http://schemas.microsoft.com/office/powerpoint/2010/main" val="213008026"/>
+      </p:ext>
+    </p:extLst>
+  </p:cSld>
+  <p:clrMapOvr>
+    <a:masterClrMapping/>
+  </p:clrMapOvr>
+  <p:timing>
+    <p:tnLst>
+      <p:par>
+        <p:cTn xmlns:p14="http://schemas.microsoft.com/office/powerpoint/2010/main" id="1" dur="indefinite" restart="never" nodeType="tmRoot"/>
+      </p:par>
+    </p:tnLst>
+  </p:timing>
+</p:sld>
+</file>
+
 <file path=ppt/theme/theme1.xml><?xml version="1.0" encoding="utf-8"?>
 <a:theme xmlns:a="http://schemas.openxmlformats.org/drawingml/2006/main" name="Office Theme">
   <a:themeElements>
@@ -9056,4 +9975,324 @@
   </a:objectDefaults>
   <a:extraClrSchemeLst/>
 </a:theme>
+</file>
+
+<file path=ppt/theme/theme2.xml><?xml version="1.0" encoding="utf-8"?>
+<a:theme xmlns:a="http://schemas.openxmlformats.org/drawingml/2006/main" name="Office Theme">
+  <a:themeElements>
+    <a:clrScheme name="Office">
+      <a:dk1>
+        <a:sysClr val="windowText" lastClr="000000"/>
+      </a:dk1>
+      <a:lt1>
+        <a:sysClr val="window" lastClr="FFFFFF"/>
+      </a:lt1>
+      <a:dk2>
+        <a:srgbClr val="1F497D"/>
+      </a:dk2>
+      <a:lt2>
+        <a:srgbClr val="EEECE1"/>
+      </a:lt2>
+      <a:accent1>
+        <a:srgbClr val="4F81BD"/>
+      </a:accent1>
+      <a:accent2>
+        <a:srgbClr val="C0504D"/>
+      </a:accent2>
+      <a:accent3>
+        <a:srgbClr val="9BBB59"/>
+      </a:accent3>
+      <a:accent4>
+        <a:srgbClr val="8064A2"/>
+      </a:accent4>
+      <a:accent5>
+        <a:srgbClr val="4BACC6"/>
+      </a:accent5>
+      <a:accent6>
+        <a:srgbClr val="F79646"/>
+      </a:accent6>
+      <a:hlink>
+        <a:srgbClr val="0000FF"/>
+      </a:hlink>
+      <a:folHlink>
+        <a:srgbClr val="800080"/>
+      </a:folHlink>
+    </a:clrScheme>
+    <a:fontScheme name="Office">
+      <a:majorFont>
+        <a:latin typeface="Calibri"/>
+        <a:ea typeface=""/>
+        <a:cs typeface=""/>
+        <a:font script="Jpan" typeface="ＭＳ Ｐゴシック"/>
+        <a:font script="Hang" typeface="맑은 고딕"/>
+        <a:font script="Hans" typeface="宋体"/>
+        <a:font script="Hant" typeface="新細明體"/>
+        <a:font script="Arab" typeface="Times New Roman"/>
+        <a:font script="Hebr" typeface="Times New Roman"/>
+        <a:font script="Thai" typeface="Angsana New"/>
+        <a:font script="Ethi" typeface="Nyala"/>
+        <a:font script="Beng" typeface="Vrinda"/>
+        <a:font script="Gujr" typeface="Shruti"/>
+        <a:font script="Khmr" typeface="MoolBoran"/>
+        <a:font script="Knda" typeface="Tunga"/>
+        <a:font script="Guru" typeface="Raavi"/>
+        <a:font script="Cans" typeface="Euphemia"/>
+        <a:font script="Cher" typeface="Plantagenet Cherokee"/>
+        <a:font script="Yiii" typeface="Microsoft Yi Baiti"/>
+        <a:font script="Tibt" typeface="Microsoft Himalaya"/>
+        <a:font script="Thaa" typeface="MV Boli"/>
+        <a:font script="Deva" typeface="Mangal"/>
+        <a:font script="Telu" typeface="Gautami"/>
+        <a:font script="Taml" typeface="Latha"/>
+        <a:font script="Syrc" typeface="Estrangelo Edessa"/>
+        <a:font script="Orya" typeface="Kalinga"/>
+        <a:font script="Mlym" typeface="Kartika"/>
+        <a:font script="Laoo" typeface="DokChampa"/>
+        <a:font script="Sinh" typeface="Iskoola Pota"/>
+        <a:font script="Mong" typeface="Mongolian Baiti"/>
+        <a:font script="Viet" typeface="Times New Roman"/>
+        <a:font script="Uigh" typeface="Microsoft Uighur"/>
+        <a:font script="Geor" typeface="Sylfaen"/>
+      </a:majorFont>
+      <a:minorFont>
+        <a:latin typeface="Calibri"/>
+        <a:ea typeface=""/>
+        <a:cs typeface=""/>
+        <a:font script="Jpan" typeface="ＭＳ Ｐゴシック"/>
+        <a:font script="Hang" typeface="맑은 고딕"/>
+        <a:font script="Hans" typeface="宋体"/>
+        <a:font script="Hant" typeface="新細明體"/>
+        <a:font script="Arab" typeface="Arial"/>
+        <a:font script="Hebr" typeface="Arial"/>
+        <a:font script="Thai" typeface="Cordia New"/>
+        <a:font script="Ethi" typeface="Nyala"/>
+        <a:font script="Beng" typeface="Vrinda"/>
+        <a:font script="Gujr" typeface="Shruti"/>
+        <a:font script="Khmr" typeface="DaunPenh"/>
+        <a:font script="Knda" typeface="Tunga"/>
+        <a:font script="Guru" typeface="Raavi"/>
+        <a:font script="Cans" typeface="Euphemia"/>
+        <a:font script="Cher" typeface="Plantagenet Cherokee"/>
+        <a:font script="Yiii" typeface="Microsoft Yi Baiti"/>
+        <a:font script="Tibt" typeface="Microsoft Himalaya"/>
+        <a:font script="Thaa" typeface="MV Boli"/>
+        <a:font script="Deva" typeface="Mangal"/>
+        <a:font script="Telu" typeface="Gautami"/>
+        <a:font script="Taml" typeface="Latha"/>
+        <a:font script="Syrc" typeface="Estrangelo Edessa"/>
+        <a:font script="Orya" typeface="Kalinga"/>
+        <a:font script="Mlym" typeface="Kartika"/>
+        <a:font script="Laoo" typeface="DokChampa"/>
+        <a:font script="Sinh" typeface="Iskoola Pota"/>
+        <a:font script="Mong" typeface="Mongolian Baiti"/>
+        <a:font script="Viet" typeface="Arial"/>
+        <a:font script="Uigh" typeface="Microsoft Uighur"/>
+        <a:font script="Geor" typeface="Sylfaen"/>
+      </a:minorFont>
+    </a:fontScheme>
+    <a:fmtScheme name="Office">
+      <a:fillStyleLst>
+        <a:solidFill>
+          <a:schemeClr val="phClr"/>
+        </a:solidFill>
+        <a:gradFill rotWithShape="1">
+          <a:gsLst>
+            <a:gs pos="0">
+              <a:schemeClr val="phClr">
+                <a:tint val="50000"/>
+                <a:satMod val="300000"/>
+              </a:schemeClr>
+            </a:gs>
+            <a:gs pos="35000">
+              <a:schemeClr val="phClr">
+                <a:tint val="37000"/>
+                <a:satMod val="300000"/>
+              </a:schemeClr>
+            </a:gs>
+            <a:gs pos="100000">
+              <a:schemeClr val="phClr">
+                <a:tint val="15000"/>
+                <a:satMod val="350000"/>
+              </a:schemeClr>
+            </a:gs>
+          </a:gsLst>
+          <a:lin ang="16200000" scaled="1"/>
+        </a:gradFill>
+        <a:gradFill rotWithShape="1">
+          <a:gsLst>
+            <a:gs pos="0">
+              <a:schemeClr val="phClr">
+                <a:tint val="100000"/>
+                <a:shade val="100000"/>
+                <a:satMod val="130000"/>
+              </a:schemeClr>
+            </a:gs>
+            <a:gs pos="100000">
+              <a:schemeClr val="phClr">
+                <a:tint val="50000"/>
+                <a:shade val="100000"/>
+                <a:satMod val="350000"/>
+              </a:schemeClr>
+            </a:gs>
+          </a:gsLst>
+          <a:lin ang="16200000" scaled="0"/>
+        </a:gradFill>
+      </a:fillStyleLst>
+      <a:lnStyleLst>
+        <a:ln w="9525" cap="flat" cmpd="sng" algn="ctr">
+          <a:solidFill>
+            <a:schemeClr val="phClr">
+              <a:shade val="95000"/>
+              <a:satMod val="105000"/>
+            </a:schemeClr>
+          </a:solidFill>
+          <a:prstDash val="solid"/>
+        </a:ln>
+        <a:ln w="25400" cap="flat" cmpd="sng" algn="ctr">
+          <a:solidFill>
+            <a:schemeClr val="phClr"/>
+          </a:solidFill>
+          <a:prstDash val="solid"/>
+        </a:ln>
+        <a:ln w="38100" cap="flat" cmpd="sng" algn="ctr">
+          <a:solidFill>
+            <a:schemeClr val="phClr"/>
+          </a:solidFill>
+          <a:prstDash val="solid"/>
+        </a:ln>
+      </a:lnStyleLst>
+      <a:effectStyleLst>
+        <a:effectStyle>
+          <a:effectLst>
+            <a:outerShdw blurRad="40000" dist="20000" dir="5400000" rotWithShape="0">
+              <a:srgbClr val="000000">
+                <a:alpha val="38000"/>
+              </a:srgbClr>
+            </a:outerShdw>
+          </a:effectLst>
+        </a:effectStyle>
+        <a:effectStyle>
+          <a:effectLst>
+            <a:outerShdw blurRad="40000" dist="23000" dir="5400000" rotWithShape="0">
+              <a:srgbClr val="000000">
+                <a:alpha val="35000"/>
+              </a:srgbClr>
+            </a:outerShdw>
+          </a:effectLst>
+        </a:effectStyle>
+        <a:effectStyle>
+          <a:effectLst>
+            <a:outerShdw blurRad="40000" dist="23000" dir="5400000" rotWithShape="0">
+              <a:srgbClr val="000000">
+                <a:alpha val="35000"/>
+              </a:srgbClr>
+            </a:outerShdw>
+          </a:effectLst>
+          <a:scene3d>
+            <a:camera prst="orthographicFront">
+              <a:rot lat="0" lon="0" rev="0"/>
+            </a:camera>
+            <a:lightRig rig="threePt" dir="t">
+              <a:rot lat="0" lon="0" rev="1200000"/>
+            </a:lightRig>
+          </a:scene3d>
+          <a:sp3d>
+            <a:bevelT w="63500" h="25400"/>
+          </a:sp3d>
+        </a:effectStyle>
+      </a:effectStyleLst>
+      <a:bgFillStyleLst>
+        <a:solidFill>
+          <a:schemeClr val="phClr"/>
+        </a:solidFill>
+        <a:gradFill rotWithShape="1">
+          <a:gsLst>
+            <a:gs pos="0">
+              <a:schemeClr val="phClr">
+                <a:tint val="40000"/>
+                <a:satMod val="350000"/>
+              </a:schemeClr>
+            </a:gs>
+            <a:gs pos="40000">
+              <a:schemeClr val="phClr">
+                <a:tint val="45000"/>
+                <a:shade val="99000"/>
+                <a:satMod val="350000"/>
+              </a:schemeClr>
+            </a:gs>
+            <a:gs pos="100000">
+              <a:schemeClr val="phClr">
+                <a:shade val="20000"/>
+                <a:satMod val="255000"/>
+              </a:schemeClr>
+            </a:gs>
+          </a:gsLst>
+          <a:path path="circle">
+            <a:fillToRect l="50000" t="-80000" r="50000" b="180000"/>
+          </a:path>
+        </a:gradFill>
+        <a:gradFill rotWithShape="1">
+          <a:gsLst>
+            <a:gs pos="0">
+              <a:schemeClr val="phClr">
+                <a:tint val="80000"/>
+                <a:satMod val="300000"/>
+              </a:schemeClr>
+            </a:gs>
+            <a:gs pos="100000">
+              <a:schemeClr val="phClr">
+                <a:shade val="30000"/>
+                <a:satMod val="200000"/>
+              </a:schemeClr>
+            </a:gs>
+          </a:gsLst>
+          <a:path path="circle">
+            <a:fillToRect l="50000" t="50000" r="50000" b="50000"/>
+          </a:path>
+        </a:gradFill>
+      </a:bgFillStyleLst>
+    </a:fmtScheme>
+  </a:themeElements>
+  <a:objectDefaults>
+    <a:spDef>
+      <a:spPr/>
+      <a:bodyPr/>
+      <a:lstStyle/>
+      <a:style>
+        <a:lnRef idx="1">
+          <a:schemeClr val="accent1"/>
+        </a:lnRef>
+        <a:fillRef idx="3">
+          <a:schemeClr val="accent1"/>
+        </a:fillRef>
+        <a:effectRef idx="2">
+          <a:schemeClr val="accent1"/>
+        </a:effectRef>
+        <a:fontRef idx="minor">
+          <a:schemeClr val="lt1"/>
+        </a:fontRef>
+      </a:style>
+    </a:spDef>
+    <a:lnDef>
+      <a:spPr/>
+      <a:bodyPr/>
+      <a:lstStyle/>
+      <a:style>
+        <a:lnRef idx="2">
+          <a:schemeClr val="accent1"/>
+        </a:lnRef>
+        <a:fillRef idx="0">
+          <a:schemeClr val="accent1"/>
+        </a:fillRef>
+        <a:effectRef idx="1">
+          <a:schemeClr val="accent1"/>
+        </a:effectRef>
+        <a:fontRef idx="minor">
+          <a:schemeClr val="tx1"/>
+        </a:fontRef>
+      </a:style>
+    </a:lnDef>
+  </a:objectDefaults>
+  <a:extraClrSchemeLst/>
+</a:theme>
 </file>
--- a/writeup/figures/stim_figure.pptx
+++ b/writeup/figures/stim_figure.pptx
@@ -198,7 +198,7 @@
           <a:p>
             <a:fld id="{6ADE749A-E2A8-3043-95E1-0F39E775EB41}" type="datetimeFigureOut">
               <a:rPr lang="en-US" smtClean="0"/>
-              <a:t>9/10/15</a:t>
+              <a:t>9/27/15</a:t>
             </a:fld>
             <a:endParaRPr lang="en-US"/>
           </a:p>
@@ -510,6 +510,106 @@
           <a:bodyPr/>
           <a:lstStyle/>
           <a:p>
+            <a:r>
+              <a:rPr lang="en-US" dirty="0" err="1" smtClean="0"/>
+              <a:t>mollyllewis</a:t>
+            </a:r>
+            <a:r>
+              <a:rPr lang="en-US" dirty="0" smtClean="0"/>
+              <a:t>[at]</a:t>
+            </a:r>
+            <a:r>
+              <a:rPr lang="en-US" baseline="0" dirty="0" err="1" smtClean="0"/>
+              <a:t>gmail</a:t>
+            </a:r>
+            <a:r>
+              <a:rPr lang="en-US" baseline="0" dirty="0" smtClean="0"/>
+              <a:t>[dot]com</a:t>
+            </a:r>
+            <a:endParaRPr lang="en-US" dirty="0"/>
+          </a:p>
+        </p:txBody>
+      </p:sp>
+      <p:sp>
+        <p:nvSpPr>
+          <p:cNvPr id="4" name="Slide Number Placeholder 3"/>
+          <p:cNvSpPr>
+            <a:spLocks noGrp="1"/>
+          </p:cNvSpPr>
+          <p:nvPr>
+            <p:ph type="sldNum" sz="quarter" idx="10"/>
+          </p:nvPr>
+        </p:nvSpPr>
+        <p:spPr/>
+        <p:txBody>
+          <a:bodyPr/>
+          <a:lstStyle/>
+          <a:p>
+            <a:fld id="{76AC011B-C856-B843-BCC7-B08516A53392}" type="slidenum">
+              <a:rPr lang="en-US" smtClean="0"/>
+              <a:t>1</a:t>
+            </a:fld>
+            <a:endParaRPr lang="en-US"/>
+          </a:p>
+        </p:txBody>
+      </p:sp>
+    </p:spTree>
+    <p:extLst>
+      <p:ext uri="{BB962C8B-B14F-4D97-AF65-F5344CB8AC3E}">
+        <p14:creationId xmlns:p14="http://schemas.microsoft.com/office/powerpoint/2010/main" val="867524107"/>
+      </p:ext>
+    </p:extLst>
+  </p:cSld>
+  <p:clrMapOvr>
+    <a:masterClrMapping/>
+  </p:clrMapOvr>
+</p:notes>
+</file>
+
+<file path=ppt/notesSlides/notesSlide2.xml><?xml version="1.0" encoding="utf-8"?>
+<p:notes xmlns:a="http://schemas.openxmlformats.org/drawingml/2006/main" xmlns:r="http://schemas.openxmlformats.org/officeDocument/2006/relationships" xmlns:p="http://schemas.openxmlformats.org/presentationml/2006/main">
+  <p:cSld>
+    <p:spTree>
+      <p:nvGrpSpPr>
+        <p:cNvPr id="1" name=""/>
+        <p:cNvGrpSpPr/>
+        <p:nvPr/>
+      </p:nvGrpSpPr>
+      <p:grpSpPr>
+        <a:xfrm>
+          <a:off x="0" y="0"/>
+          <a:ext cx="0" cy="0"/>
+          <a:chOff x="0" y="0"/>
+          <a:chExt cx="0" cy="0"/>
+        </a:xfrm>
+      </p:grpSpPr>
+      <p:sp>
+        <p:nvSpPr>
+          <p:cNvPr id="2" name="Slide Image Placeholder 1"/>
+          <p:cNvSpPr>
+            <a:spLocks noGrp="1" noRot="1" noChangeAspect="1"/>
+          </p:cNvSpPr>
+          <p:nvPr>
+            <p:ph type="sldImg"/>
+          </p:nvPr>
+        </p:nvSpPr>
+        <p:spPr/>
+      </p:sp>
+      <p:sp>
+        <p:nvSpPr>
+          <p:cNvPr id="3" name="Notes Placeholder 2"/>
+          <p:cNvSpPr>
+            <a:spLocks noGrp="1"/>
+          </p:cNvSpPr>
+          <p:nvPr>
+            <p:ph type="body" idx="1"/>
+          </p:nvPr>
+        </p:nvSpPr>
+        <p:spPr/>
+        <p:txBody>
+          <a:bodyPr/>
+          <a:lstStyle/>
+          <a:p>
             <a:endParaRPr lang="en-US" dirty="0"/>
           </a:p>
         </p:txBody>
@@ -731,7 +831,7 @@
           <a:p>
             <a:fld id="{4694143A-940B-0440-9B68-8C08B5AF502E}" type="datetimeFigureOut">
               <a:rPr lang="en-US" smtClean="0"/>
-              <a:t>9/10/15</a:t>
+              <a:t>9/27/15</a:t>
             </a:fld>
             <a:endParaRPr lang="en-US"/>
           </a:p>
@@ -901,7 +1001,7 @@
           <a:p>
             <a:fld id="{4694143A-940B-0440-9B68-8C08B5AF502E}" type="datetimeFigureOut">
               <a:rPr lang="en-US" smtClean="0"/>
-              <a:t>9/10/15</a:t>
+              <a:t>9/27/15</a:t>
             </a:fld>
             <a:endParaRPr lang="en-US"/>
           </a:p>
@@ -1081,7 +1181,7 @@
           <a:p>
             <a:fld id="{4694143A-940B-0440-9B68-8C08B5AF502E}" type="datetimeFigureOut">
               <a:rPr lang="en-US" smtClean="0"/>
-              <a:t>9/10/15</a:t>
+              <a:t>9/27/15</a:t>
             </a:fld>
             <a:endParaRPr lang="en-US"/>
           </a:p>
@@ -1251,7 +1351,7 @@
           <a:p>
             <a:fld id="{4694143A-940B-0440-9B68-8C08B5AF502E}" type="datetimeFigureOut">
               <a:rPr lang="en-US" smtClean="0"/>
-              <a:t>9/10/15</a:t>
+              <a:t>9/27/15</a:t>
             </a:fld>
             <a:endParaRPr lang="en-US"/>
           </a:p>
@@ -1497,7 +1597,7 @@
           <a:p>
             <a:fld id="{4694143A-940B-0440-9B68-8C08B5AF502E}" type="datetimeFigureOut">
               <a:rPr lang="en-US" smtClean="0"/>
-              <a:t>9/10/15</a:t>
+              <a:t>9/27/15</a:t>
             </a:fld>
             <a:endParaRPr lang="en-US"/>
           </a:p>
@@ -1785,7 +1885,7 @@
           <a:p>
             <a:fld id="{4694143A-940B-0440-9B68-8C08B5AF502E}" type="datetimeFigureOut">
               <a:rPr lang="en-US" smtClean="0"/>
-              <a:t>9/10/15</a:t>
+              <a:t>9/27/15</a:t>
             </a:fld>
             <a:endParaRPr lang="en-US"/>
           </a:p>
@@ -2207,7 +2307,7 @@
           <a:p>
             <a:fld id="{4694143A-940B-0440-9B68-8C08B5AF502E}" type="datetimeFigureOut">
               <a:rPr lang="en-US" smtClean="0"/>
-              <a:t>9/10/15</a:t>
+              <a:t>9/27/15</a:t>
             </a:fld>
             <a:endParaRPr lang="en-US"/>
           </a:p>
@@ -2325,7 +2425,7 @@
           <a:p>
             <a:fld id="{4694143A-940B-0440-9B68-8C08B5AF502E}" type="datetimeFigureOut">
               <a:rPr lang="en-US" smtClean="0"/>
-              <a:t>9/10/15</a:t>
+              <a:t>9/27/15</a:t>
             </a:fld>
             <a:endParaRPr lang="en-US"/>
           </a:p>
@@ -2420,7 +2520,7 @@
           <a:p>
             <a:fld id="{4694143A-940B-0440-9B68-8C08B5AF502E}" type="datetimeFigureOut">
               <a:rPr lang="en-US" smtClean="0"/>
-              <a:t>9/10/15</a:t>
+              <a:t>9/27/15</a:t>
             </a:fld>
             <a:endParaRPr lang="en-US"/>
           </a:p>
@@ -2697,7 +2797,7 @@
           <a:p>
             <a:fld id="{4694143A-940B-0440-9B68-8C08B5AF502E}" type="datetimeFigureOut">
               <a:rPr lang="en-US" smtClean="0"/>
-              <a:t>9/10/15</a:t>
+              <a:t>9/27/15</a:t>
             </a:fld>
             <a:endParaRPr lang="en-US"/>
           </a:p>
@@ -2950,7 +3050,7 @@
           <a:p>
             <a:fld id="{4694143A-940B-0440-9B68-8C08B5AF502E}" type="datetimeFigureOut">
               <a:rPr lang="en-US" smtClean="0"/>
-              <a:t>9/10/15</a:t>
+              <a:t>9/27/15</a:t>
             </a:fld>
             <a:endParaRPr lang="en-US"/>
           </a:p>
@@ -3163,7 +3263,7 @@
           <a:p>
             <a:fld id="{4694143A-940B-0440-9B68-8C08B5AF502E}" type="datetimeFigureOut">
               <a:rPr lang="en-US" smtClean="0"/>
-              <a:t>9/10/15</a:t>
+              <a:t>9/27/15</a:t>
             </a:fld>
             <a:endParaRPr lang="en-US"/>
           </a:p>
@@ -3620,7 +3720,7 @@
               <p:nvPr/>
             </p:nvPicPr>
             <p:blipFill>
-              <a:blip r:embed="rId2">
+              <a:blip r:embed="rId3">
                 <a:extLst>
                   <a:ext uri="{28A0092B-C50C-407E-A947-70E740481C1C}">
                     <a14:useLocalDpi xmlns:a14="http://schemas.microsoft.com/office/drawing/2010/main" val="0"/>
@@ -3650,7 +3750,7 @@
               <p:nvPr/>
             </p:nvPicPr>
             <p:blipFill>
-              <a:blip r:embed="rId3">
+              <a:blip r:embed="rId4">
                 <a:extLst>
                   <a:ext uri="{28A0092B-C50C-407E-A947-70E740481C1C}">
                     <a14:useLocalDpi xmlns:a14="http://schemas.microsoft.com/office/drawing/2010/main" val="0"/>
@@ -3680,7 +3780,7 @@
               <p:nvPr/>
             </p:nvPicPr>
             <p:blipFill>
-              <a:blip r:embed="rId4">
+              <a:blip r:embed="rId5">
                 <a:extLst>
                   <a:ext uri="{28A0092B-C50C-407E-A947-70E740481C1C}">
                     <a14:useLocalDpi xmlns:a14="http://schemas.microsoft.com/office/drawing/2010/main" val="0"/>
@@ -3710,7 +3810,7 @@
               <p:nvPr/>
             </p:nvPicPr>
             <p:blipFill>
-              <a:blip r:embed="rId5">
+              <a:blip r:embed="rId6">
                 <a:extLst>
                   <a:ext uri="{28A0092B-C50C-407E-A947-70E740481C1C}">
                     <a14:useLocalDpi xmlns:a14="http://schemas.microsoft.com/office/drawing/2010/main" val="0"/>
@@ -3847,8 +3947,8 @@
             </p:nvSpPr>
             <p:spPr>
               <a:xfrm>
-                <a:off x="6125596" y="481742"/>
-                <a:ext cx="1556716" cy="369332"/>
+                <a:off x="6059908" y="481742"/>
+                <a:ext cx="1860257" cy="369332"/>
               </a:xfrm>
               <a:prstGeom prst="rect">
                 <a:avLst/>
@@ -3866,7 +3966,7 @@
                     <a:latin typeface="Avenir Book"/>
                     <a:cs typeface="Avenir Book"/>
                   </a:rPr>
-                  <a:t>Experiment 4</a:t>
+                  <a:t>Experiments 4-5</a:t>
                 </a:r>
                 <a:endParaRPr lang="en-US" dirty="0">
                   <a:latin typeface="Avenir Book"/>
